--- a/3D_Game/企画書.pptx
+++ b/3D_Game/企画書.pptx
@@ -107,6 +107,11 @@
       </a:defRPr>
     </a:lvl9pPr>
   </p:defaultTextStyle>
+  <p:extLst>
+    <p:ext uri="{EFAFB233-063F-42B5-8137-9DF3F51BA10A}">
+      <p15:sldGuideLst xmlns:p15="http://schemas.microsoft.com/office/powerpoint/2012/main"/>
+    </p:ext>
+  </p:extLst>
 </p:presentation>
 </file>
 
@@ -295,7 +300,7 @@
           <a:p>
             <a:fld id="{E52BD0EE-427E-4185-BFCC-C108616D70F6}" type="datetimeFigureOut">
               <a:rPr kumimoji="1" lang="ja-JP" altLang="en-US" smtClean="0"/>
-              <a:t>2024/11/27</a:t>
+              <a:t>2025/1/14</a:t>
             </a:fld>
             <a:endParaRPr kumimoji="1" lang="ja-JP" altLang="en-US"/>
           </a:p>
@@ -593,7 +598,7 @@
           <a:p>
             <a:fld id="{E52BD0EE-427E-4185-BFCC-C108616D70F6}" type="datetimeFigureOut">
               <a:rPr kumimoji="1" lang="ja-JP" altLang="en-US" smtClean="0"/>
-              <a:t>2024/11/27</a:t>
+              <a:t>2025/1/14</a:t>
             </a:fld>
             <a:endParaRPr kumimoji="1" lang="ja-JP" altLang="en-US"/>
           </a:p>
@@ -785,7 +790,7 @@
           <a:p>
             <a:fld id="{E52BD0EE-427E-4185-BFCC-C108616D70F6}" type="datetimeFigureOut">
               <a:rPr kumimoji="1" lang="ja-JP" altLang="en-US" smtClean="0"/>
-              <a:t>2024/11/27</a:t>
+              <a:t>2025/1/14</a:t>
             </a:fld>
             <a:endParaRPr kumimoji="1" lang="ja-JP" altLang="en-US"/>
           </a:p>
@@ -1046,7 +1051,7 @@
           <a:p>
             <a:fld id="{E52BD0EE-427E-4185-BFCC-C108616D70F6}" type="datetimeFigureOut">
               <a:rPr kumimoji="1" lang="ja-JP" altLang="en-US" smtClean="0"/>
-              <a:t>2024/11/27</a:t>
+              <a:t>2025/1/14</a:t>
             </a:fld>
             <a:endParaRPr kumimoji="1" lang="ja-JP" altLang="en-US"/>
           </a:p>
@@ -1470,7 +1475,7 @@
           <a:p>
             <a:fld id="{E52BD0EE-427E-4185-BFCC-C108616D70F6}" type="datetimeFigureOut">
               <a:rPr kumimoji="1" lang="ja-JP" altLang="en-US" smtClean="0"/>
-              <a:t>2024/11/27</a:t>
+              <a:t>2025/1/14</a:t>
             </a:fld>
             <a:endParaRPr kumimoji="1" lang="ja-JP" altLang="en-US"/>
           </a:p>
@@ -2007,7 +2012,7 @@
           <a:p>
             <a:fld id="{E52BD0EE-427E-4185-BFCC-C108616D70F6}" type="datetimeFigureOut">
               <a:rPr kumimoji="1" lang="ja-JP" altLang="en-US" smtClean="0"/>
-              <a:t>2024/11/27</a:t>
+              <a:t>2025/1/14</a:t>
             </a:fld>
             <a:endParaRPr kumimoji="1" lang="ja-JP" altLang="en-US"/>
           </a:p>
@@ -2871,7 +2876,7 @@
           <a:p>
             <a:fld id="{E52BD0EE-427E-4185-BFCC-C108616D70F6}" type="datetimeFigureOut">
               <a:rPr kumimoji="1" lang="ja-JP" altLang="en-US" smtClean="0"/>
-              <a:t>2024/11/27</a:t>
+              <a:t>2025/1/14</a:t>
             </a:fld>
             <a:endParaRPr kumimoji="1" lang="ja-JP" altLang="en-US"/>
           </a:p>
@@ -3073,7 +3078,7 @@
           <a:p>
             <a:fld id="{E52BD0EE-427E-4185-BFCC-C108616D70F6}" type="datetimeFigureOut">
               <a:rPr kumimoji="1" lang="ja-JP" altLang="en-US" smtClean="0"/>
-              <a:t>2024/11/27</a:t>
+              <a:t>2025/1/14</a:t>
             </a:fld>
             <a:endParaRPr kumimoji="1" lang="ja-JP" altLang="en-US"/>
           </a:p>
@@ -3289,7 +3294,7 @@
           <a:p>
             <a:fld id="{E52BD0EE-427E-4185-BFCC-C108616D70F6}" type="datetimeFigureOut">
               <a:rPr kumimoji="1" lang="ja-JP" altLang="en-US" smtClean="0"/>
-              <a:t>2024/11/27</a:t>
+              <a:t>2025/1/14</a:t>
             </a:fld>
             <a:endParaRPr kumimoji="1" lang="ja-JP" altLang="en-US"/>
           </a:p>
@@ -3491,7 +3496,7 @@
           <a:p>
             <a:fld id="{E52BD0EE-427E-4185-BFCC-C108616D70F6}" type="datetimeFigureOut">
               <a:rPr kumimoji="1" lang="ja-JP" altLang="en-US" smtClean="0"/>
-              <a:t>2024/11/27</a:t>
+              <a:t>2025/1/14</a:t>
             </a:fld>
             <a:endParaRPr kumimoji="1" lang="ja-JP" altLang="en-US"/>
           </a:p>
@@ -3735,7 +3740,7 @@
           <a:p>
             <a:fld id="{E52BD0EE-427E-4185-BFCC-C108616D70F6}" type="datetimeFigureOut">
               <a:rPr kumimoji="1" lang="ja-JP" altLang="en-US" smtClean="0"/>
-              <a:t>2024/11/27</a:t>
+              <a:t>2025/1/14</a:t>
             </a:fld>
             <a:endParaRPr kumimoji="1" lang="ja-JP" altLang="en-US"/>
           </a:p>
@@ -4035,7 +4040,7 @@
           <a:p>
             <a:fld id="{E52BD0EE-427E-4185-BFCC-C108616D70F6}" type="datetimeFigureOut">
               <a:rPr kumimoji="1" lang="ja-JP" altLang="en-US" smtClean="0"/>
-              <a:t>2024/11/27</a:t>
+              <a:t>2025/1/14</a:t>
             </a:fld>
             <a:endParaRPr kumimoji="1" lang="ja-JP" altLang="en-US"/>
           </a:p>
@@ -4565,7 +4570,7 @@
           <a:p>
             <a:fld id="{E52BD0EE-427E-4185-BFCC-C108616D70F6}" type="datetimeFigureOut">
               <a:rPr kumimoji="1" lang="ja-JP" altLang="en-US" smtClean="0"/>
-              <a:t>2024/11/27</a:t>
+              <a:t>2025/1/14</a:t>
             </a:fld>
             <a:endParaRPr kumimoji="1" lang="ja-JP" altLang="en-US"/>
           </a:p>
@@ -4683,7 +4688,7 @@
           <a:p>
             <a:fld id="{E52BD0EE-427E-4185-BFCC-C108616D70F6}" type="datetimeFigureOut">
               <a:rPr kumimoji="1" lang="ja-JP" altLang="en-US" smtClean="0"/>
-              <a:t>2024/11/27</a:t>
+              <a:t>2025/1/14</a:t>
             </a:fld>
             <a:endParaRPr kumimoji="1" lang="ja-JP" altLang="en-US"/>
           </a:p>
@@ -4778,7 +4783,7 @@
           <a:p>
             <a:fld id="{E52BD0EE-427E-4185-BFCC-C108616D70F6}" type="datetimeFigureOut">
               <a:rPr kumimoji="1" lang="ja-JP" altLang="en-US" smtClean="0"/>
-              <a:t>2024/11/27</a:t>
+              <a:t>2025/1/14</a:t>
             </a:fld>
             <a:endParaRPr kumimoji="1" lang="ja-JP" altLang="en-US"/>
           </a:p>
@@ -5065,7 +5070,7 @@
           <a:p>
             <a:fld id="{E52BD0EE-427E-4185-BFCC-C108616D70F6}" type="datetimeFigureOut">
               <a:rPr kumimoji="1" lang="ja-JP" altLang="en-US" smtClean="0"/>
-              <a:t>2024/11/27</a:t>
+              <a:t>2025/1/14</a:t>
             </a:fld>
             <a:endParaRPr kumimoji="1" lang="ja-JP" altLang="en-US"/>
           </a:p>
@@ -5365,7 +5370,7 @@
           <a:p>
             <a:fld id="{E52BD0EE-427E-4185-BFCC-C108616D70F6}" type="datetimeFigureOut">
               <a:rPr kumimoji="1" lang="ja-JP" altLang="en-US" smtClean="0"/>
-              <a:t>2024/11/27</a:t>
+              <a:t>2025/1/14</a:t>
             </a:fld>
             <a:endParaRPr kumimoji="1" lang="ja-JP" altLang="en-US"/>
           </a:p>
@@ -5631,7 +5636,7 @@
           <a:p>
             <a:fld id="{E52BD0EE-427E-4185-BFCC-C108616D70F6}" type="datetimeFigureOut">
               <a:rPr kumimoji="1" lang="ja-JP" altLang="en-US" smtClean="0"/>
-              <a:t>2024/11/27</a:t>
+              <a:t>2025/1/14</a:t>
             </a:fld>
             <a:endParaRPr kumimoji="1" lang="ja-JP" altLang="en-US"/>
           </a:p>
@@ -6378,8 +6383,8 @@
         </p:nvSpPr>
         <p:spPr>
           <a:xfrm>
-            <a:off x="226828" y="1718931"/>
-            <a:ext cx="11738344" cy="2710542"/>
+            <a:off x="0" y="0"/>
+            <a:ext cx="5869172" cy="1023418"/>
           </a:xfrm>
         </p:spPr>
         <p:txBody>
@@ -6389,8 +6394,8 @@
           <a:lstStyle/>
           <a:p>
             <a:r>
-              <a:rPr kumimoji="1" lang="en-US" altLang="ja-JP" sz="9600" b="1" dirty="0">
-                <a:ln w="57150">
+              <a:rPr kumimoji="1" lang="en-US" altLang="ja-JP" sz="4400" b="1" dirty="0">
+                <a:ln w="25400">
                   <a:solidFill>
                     <a:srgbClr val="FFFF00">
                       <a:alpha val="80000"/>
@@ -6407,7 +6412,7 @@
                   <a:glow rad="571500">
                     <a:schemeClr val="accent6">
                       <a:lumMod val="75000"/>
-                      <a:alpha val="33000"/>
+                      <a:alpha val="70000"/>
                     </a:schemeClr>
                   </a:glow>
                   <a:reflection blurRad="76200" stA="44000" endPos="65000" dist="63500" dir="5400000" sy="-100000" algn="bl" rotWithShape="0"/>
@@ -6417,8 +6422,8 @@
               </a:rPr>
               <a:t>DEVASTATED CITY</a:t>
             </a:r>
-            <a:endParaRPr kumimoji="1" lang="ja-JP" altLang="en-US" sz="9600" b="1" dirty="0">
-              <a:ln w="57150">
+            <a:endParaRPr kumimoji="1" lang="ja-JP" altLang="en-US" sz="4400" dirty="0">
+              <a:ln w="25400">
                 <a:solidFill>
                   <a:srgbClr val="FFFF00">
                     <a:alpha val="80000"/>
@@ -6435,7 +6440,7 @@
                 <a:glow rad="571500">
                   <a:schemeClr val="accent6">
                     <a:lumMod val="75000"/>
-                    <a:alpha val="33000"/>
+                    <a:alpha val="70000"/>
                   </a:schemeClr>
                 </a:glow>
                 <a:reflection blurRad="76200" stA="44000" endPos="65000" dist="63500" dir="5400000" sy="-100000" algn="bl" rotWithShape="0"/>
@@ -6460,8 +6465,8 @@
         </p:nvSpPr>
         <p:spPr>
           <a:xfrm>
-            <a:off x="6728868" y="5043572"/>
-            <a:ext cx="5318876" cy="646331"/>
+            <a:off x="275148" y="875610"/>
+            <a:ext cx="4514566" cy="584775"/>
           </a:xfrm>
           <a:prstGeom prst="rect">
             <a:avLst/>
@@ -6482,11 +6487,11 @@
           <a:lstStyle/>
           <a:p>
             <a:r>
-              <a:rPr kumimoji="1" lang="ja-JP" altLang="en-US" dirty="0"/>
+              <a:rPr kumimoji="1" lang="ja-JP" altLang="en-US" sz="1600" dirty="0"/>
               <a:t>チーム</a:t>
             </a:r>
             <a:r>
-              <a:rPr kumimoji="1" lang="en-US" altLang="ja-JP" dirty="0">
+              <a:rPr kumimoji="1" lang="en-US" altLang="ja-JP" sz="1600" dirty="0">
                 <a:solidFill>
                   <a:srgbClr val="FF0000"/>
                 </a:solidFill>
@@ -6496,7 +6501,7 @@
           </a:p>
           <a:p>
             <a:r>
-              <a:rPr kumimoji="1" lang="ja-JP" altLang="en-US" b="1" dirty="0">
+              <a:rPr kumimoji="1" lang="ja-JP" altLang="en-US" sz="1600" b="1" dirty="0">
                 <a:solidFill>
                   <a:srgbClr val="FF0000"/>
                 </a:solidFill>
@@ -6511,11 +6516,11 @@
               <a:t>羽鳥健作</a:t>
             </a:r>
             <a:r>
-              <a:rPr kumimoji="1" lang="ja-JP" altLang="en-US" b="1" dirty="0"/>
+              <a:rPr kumimoji="1" lang="ja-JP" altLang="en-US" sz="1600" b="1" dirty="0"/>
               <a:t>・</a:t>
             </a:r>
             <a:r>
-              <a:rPr kumimoji="1" lang="ja-JP" altLang="en-US" dirty="0">
+              <a:rPr kumimoji="1" lang="ja-JP" altLang="en-US" sz="1600" dirty="0">
                 <a:solidFill>
                   <a:srgbClr val="FF0000"/>
                 </a:solidFill>
@@ -6530,7 +6535,7 @@
               <a:t>片桐翔</a:t>
             </a:r>
             <a:r>
-              <a:rPr kumimoji="1" lang="ja-JP" altLang="en-US" dirty="0">
+              <a:rPr kumimoji="1" lang="ja-JP" altLang="en-US" sz="1600" dirty="0">
                 <a:effectLst>
                   <a:glow rad="127000">
                     <a:schemeClr val="tx2">
@@ -6542,7 +6547,7 @@
               <a:t>・</a:t>
             </a:r>
             <a:r>
-              <a:rPr kumimoji="1" lang="ja-JP" altLang="en-US" dirty="0">
+              <a:rPr kumimoji="1" lang="ja-JP" altLang="en-US" sz="1600" dirty="0">
                 <a:solidFill>
                   <a:srgbClr val="FF0000"/>
                 </a:solidFill>
@@ -6557,7 +6562,7 @@
               <a:t>鈴木琉也</a:t>
             </a:r>
             <a:r>
-              <a:rPr kumimoji="1" lang="ja-JP" altLang="en-US" dirty="0">
+              <a:rPr kumimoji="1" lang="ja-JP" altLang="en-US" sz="1600" dirty="0">
                 <a:effectLst>
                   <a:glow rad="127000">
                     <a:schemeClr val="tx2">
@@ -6569,7 +6574,7 @@
               <a:t>・</a:t>
             </a:r>
             <a:r>
-              <a:rPr kumimoji="1" lang="ja-JP" altLang="en-US" dirty="0">
+              <a:rPr kumimoji="1" lang="ja-JP" altLang="en-US" sz="1600" dirty="0">
                 <a:solidFill>
                   <a:srgbClr val="FF0000"/>
                 </a:solidFill>
@@ -6584,7 +6589,7 @@
               <a:t>大野莉緒</a:t>
             </a:r>
             <a:r>
-              <a:rPr kumimoji="1" lang="ja-JP" altLang="en-US" dirty="0">
+              <a:rPr kumimoji="1" lang="ja-JP" altLang="en-US" sz="1600" dirty="0">
                 <a:effectLst>
                   <a:glow rad="127000">
                     <a:schemeClr val="tx2">
@@ -6596,7 +6601,7 @@
               <a:t>・</a:t>
             </a:r>
             <a:r>
-              <a:rPr kumimoji="1" lang="ja-JP" altLang="en-US" dirty="0">
+              <a:rPr kumimoji="1" lang="ja-JP" altLang="en-US" sz="1600" dirty="0">
                 <a:solidFill>
                   <a:srgbClr val="FF0000"/>
                 </a:solidFill>
@@ -6610,10 +6615,618 @@
               </a:rPr>
               <a:t>開地碧音</a:t>
             </a:r>
-            <a:endParaRPr kumimoji="1" lang="en-US" altLang="ja-JP" dirty="0"/>
-          </a:p>
-        </p:txBody>
-      </p:sp>
+            <a:endParaRPr kumimoji="1" lang="en-US" altLang="ja-JP" sz="1600" dirty="0"/>
+          </a:p>
+        </p:txBody>
+      </p:sp>
+      <p:pic>
+        <p:nvPicPr>
+          <p:cNvPr id="4" name="Picture 4">
+            <a:extLst>
+              <a:ext uri="{FF2B5EF4-FFF2-40B4-BE49-F238E27FC236}">
+                <a16:creationId xmlns:a16="http://schemas.microsoft.com/office/drawing/2014/main" id="{A82F167B-6924-C4DE-63FF-4F7E9194BE3F}"/>
+              </a:ext>
+            </a:extLst>
+          </p:cNvPr>
+          <p:cNvPicPr>
+            <a:picLocks noChangeAspect="1" noChangeArrowheads="1"/>
+          </p:cNvPicPr>
+          <p:nvPr/>
+        </p:nvPicPr>
+        <p:blipFill>
+          <a:blip r:embed="rId3">
+            <a:extLst>
+              <a:ext uri="{28A0092B-C50C-407E-A947-70E740481C1C}">
+                <a14:useLocalDpi xmlns:a14="http://schemas.microsoft.com/office/drawing/2010/main" val="0"/>
+              </a:ext>
+            </a:extLst>
+          </a:blip>
+          <a:srcRect/>
+          <a:stretch>
+            <a:fillRect/>
+          </a:stretch>
+        </p:blipFill>
+        <p:spPr bwMode="auto">
+          <a:xfrm rot="865009">
+            <a:off x="9057313" y="335760"/>
+            <a:ext cx="2903737" cy="1633352"/>
+          </a:xfrm>
+          <a:prstGeom prst="rect">
+            <a:avLst/>
+          </a:prstGeom>
+          <a:noFill/>
+          <a:effectLst>
+            <a:glow rad="127000">
+              <a:srgbClr val="AAB20A"/>
+            </a:glow>
+          </a:effectLst>
+          <a:extLst>
+            <a:ext uri="{909E8E84-426E-40DD-AFC4-6F175D3DCCD1}">
+              <a14:hiddenFill xmlns:a14="http://schemas.microsoft.com/office/drawing/2010/main">
+                <a:solidFill>
+                  <a:srgbClr val="FFFFFF"/>
+                </a:solidFill>
+              </a14:hiddenFill>
+            </a:ext>
+          </a:extLst>
+        </p:spPr>
+      </p:pic>
+      <p:pic>
+        <p:nvPicPr>
+          <p:cNvPr id="9" name="Picture 8" descr="舞台は廃墟化したロンドン…！オープンワールドサバイバルホラー『Beyond  Hanwell』プレイレポ―早期アクセスながら圧倒的なクオリティで、極上のホラー作品に仕上がっている | Game*Spark -  国内・海外ゲーム情報サイト">
+            <a:extLst>
+              <a:ext uri="{FF2B5EF4-FFF2-40B4-BE49-F238E27FC236}">
+                <a16:creationId xmlns:a16="http://schemas.microsoft.com/office/drawing/2014/main" id="{DF5F6EF6-3CB1-459D-C8D2-59CC615D3C45}"/>
+              </a:ext>
+            </a:extLst>
+          </p:cNvPr>
+          <p:cNvPicPr>
+            <a:picLocks noChangeAspect="1" noChangeArrowheads="1"/>
+          </p:cNvPicPr>
+          <p:nvPr/>
+        </p:nvPicPr>
+        <p:blipFill>
+          <a:blip r:embed="rId4">
+            <a:extLst>
+              <a:ext uri="{28A0092B-C50C-407E-A947-70E740481C1C}">
+                <a14:useLocalDpi xmlns:a14="http://schemas.microsoft.com/office/drawing/2010/main" val="0"/>
+              </a:ext>
+            </a:extLst>
+          </a:blip>
+          <a:srcRect/>
+          <a:stretch>
+            <a:fillRect/>
+          </a:stretch>
+        </p:blipFill>
+        <p:spPr bwMode="auto">
+          <a:xfrm rot="809398">
+            <a:off x="8562242" y="4408531"/>
+            <a:ext cx="3093979" cy="1736322"/>
+          </a:xfrm>
+          <a:prstGeom prst="rect">
+            <a:avLst/>
+          </a:prstGeom>
+          <a:noFill/>
+          <a:effectLst>
+            <a:glow rad="127000">
+              <a:srgbClr val="AAB20A"/>
+            </a:glow>
+          </a:effectLst>
+          <a:extLst>
+            <a:ext uri="{909E8E84-426E-40DD-AFC4-6F175D3DCCD1}">
+              <a14:hiddenFill xmlns:a14="http://schemas.microsoft.com/office/drawing/2010/main">
+                <a:solidFill>
+                  <a:srgbClr val="FFFFFF"/>
+                </a:solidFill>
+              </a14:hiddenFill>
+            </a:ext>
+          </a:extLst>
+        </p:spPr>
+      </p:pic>
+      <p:sp>
+        <p:nvSpPr>
+          <p:cNvPr id="8" name="テキスト ボックス 7">
+            <a:extLst>
+              <a:ext uri="{FF2B5EF4-FFF2-40B4-BE49-F238E27FC236}">
+                <a16:creationId xmlns:a16="http://schemas.microsoft.com/office/drawing/2014/main" id="{3B85C99A-A8FB-3F26-5E5F-DEB7B7835EB0}"/>
+              </a:ext>
+            </a:extLst>
+          </p:cNvPr>
+          <p:cNvSpPr txBox="1"/>
+          <p:nvPr/>
+        </p:nvSpPr>
+        <p:spPr>
+          <a:xfrm rot="21055200">
+            <a:off x="3901702" y="4432384"/>
+            <a:ext cx="5087257" cy="954107"/>
+          </a:xfrm>
+          <a:prstGeom prst="rect">
+            <a:avLst/>
+          </a:prstGeom>
+          <a:noFill/>
+        </p:spPr>
+        <p:txBody>
+          <a:bodyPr wrap="square" rtlCol="0">
+            <a:spAutoFit/>
+          </a:bodyPr>
+          <a:lstStyle/>
+          <a:p>
+            <a:pPr algn="ctr"/>
+            <a:r>
+              <a:rPr kumimoji="1" lang="ja-JP" altLang="en-US" sz="2800" b="1" dirty="0">
+                <a:ln w="12700">
+                  <a:solidFill>
+                    <a:srgbClr val="00FF00"/>
+                  </a:solidFill>
+                </a:ln>
+                <a:solidFill>
+                  <a:schemeClr val="bg1"/>
+                </a:solidFill>
+                <a:effectLst>
+                  <a:glow rad="139700">
+                    <a:srgbClr val="FFFF00"/>
+                  </a:glow>
+                </a:effectLst>
+                <a:latin typeface="HGP創英ﾌﾟﾚｾﾞﾝｽEB" panose="02020800000000000000" pitchFamily="18" charset="-128"/>
+                <a:ea typeface="HGP創英ﾌﾟﾚｾﾞﾝｽEB" panose="02020800000000000000" pitchFamily="18" charset="-128"/>
+              </a:rPr>
+              <a:t>一日が終わるまでに必要な物を全て集めよう！！</a:t>
+            </a:r>
+          </a:p>
+        </p:txBody>
+      </p:sp>
+      <p:pic>
+        <p:nvPicPr>
+          <p:cNvPr id="1026" name="Picture 2" descr="マッチ | 無料イラスト＆かわいいフリー素材集 ねこ画伯コハクちゃん">
+            <a:extLst>
+              <a:ext uri="{FF2B5EF4-FFF2-40B4-BE49-F238E27FC236}">
+                <a16:creationId xmlns:a16="http://schemas.microsoft.com/office/drawing/2014/main" id="{E3A05B40-B2DF-6EA8-A916-88CCD8568B64}"/>
+              </a:ext>
+            </a:extLst>
+          </p:cNvPr>
+          <p:cNvPicPr>
+            <a:picLocks noChangeAspect="1" noChangeArrowheads="1"/>
+          </p:cNvPicPr>
+          <p:nvPr/>
+        </p:nvPicPr>
+        <p:blipFill>
+          <a:blip r:embed="rId5">
+            <a:extLst>
+              <a:ext uri="{28A0092B-C50C-407E-A947-70E740481C1C}">
+                <a14:useLocalDpi xmlns:a14="http://schemas.microsoft.com/office/drawing/2010/main" val="0"/>
+              </a:ext>
+            </a:extLst>
+          </a:blip>
+          <a:srcRect/>
+          <a:stretch>
+            <a:fillRect/>
+          </a:stretch>
+        </p:blipFill>
+        <p:spPr bwMode="auto">
+          <a:xfrm>
+            <a:off x="5439431" y="5475876"/>
+            <a:ext cx="1005899" cy="1005899"/>
+          </a:xfrm>
+          <a:prstGeom prst="rect">
+            <a:avLst/>
+          </a:prstGeom>
+          <a:noFill/>
+          <a:extLst>
+            <a:ext uri="{909E8E84-426E-40DD-AFC4-6F175D3DCCD1}">
+              <a14:hiddenFill xmlns:a14="http://schemas.microsoft.com/office/drawing/2010/main">
+                <a:solidFill>
+                  <a:srgbClr val="FFFFFF"/>
+                </a:solidFill>
+              </a14:hiddenFill>
+            </a:ext>
+          </a:extLst>
+        </p:spPr>
+      </p:pic>
+      <p:pic>
+        <p:nvPicPr>
+          <p:cNvPr id="10" name="Picture 4" descr="食料品 - イラスト無料フリー素材サイトのイラストレイン">
+            <a:extLst>
+              <a:ext uri="{FF2B5EF4-FFF2-40B4-BE49-F238E27FC236}">
+                <a16:creationId xmlns:a16="http://schemas.microsoft.com/office/drawing/2014/main" id="{9BBE6680-3B1E-9194-E1C9-7626DFFC0DF3}"/>
+              </a:ext>
+            </a:extLst>
+          </p:cNvPr>
+          <p:cNvPicPr>
+            <a:picLocks noChangeAspect="1" noChangeArrowheads="1"/>
+          </p:cNvPicPr>
+          <p:nvPr/>
+        </p:nvPicPr>
+        <p:blipFill>
+          <a:blip r:embed="rId6">
+            <a:extLst>
+              <a:ext uri="{28A0092B-C50C-407E-A947-70E740481C1C}">
+                <a14:useLocalDpi xmlns:a14="http://schemas.microsoft.com/office/drawing/2010/main" val="0"/>
+              </a:ext>
+            </a:extLst>
+          </a:blip>
+          <a:srcRect/>
+          <a:stretch>
+            <a:fillRect/>
+          </a:stretch>
+        </p:blipFill>
+        <p:spPr bwMode="auto">
+          <a:xfrm>
+            <a:off x="3685063" y="5270491"/>
+            <a:ext cx="1197547" cy="1197547"/>
+          </a:xfrm>
+          <a:prstGeom prst="rect">
+            <a:avLst/>
+          </a:prstGeom>
+          <a:noFill/>
+          <a:extLst>
+            <a:ext uri="{909E8E84-426E-40DD-AFC4-6F175D3DCCD1}">
+              <a14:hiddenFill xmlns:a14="http://schemas.microsoft.com/office/drawing/2010/main">
+                <a:solidFill>
+                  <a:srgbClr val="FFFFFF"/>
+                </a:solidFill>
+              </a14:hiddenFill>
+            </a:ext>
+          </a:extLst>
+        </p:spPr>
+      </p:pic>
+      <p:pic>
+        <p:nvPicPr>
+          <p:cNvPr id="1030" name="Picture 6" descr="救急箱・薬箱のイラスト">
+            <a:extLst>
+              <a:ext uri="{FF2B5EF4-FFF2-40B4-BE49-F238E27FC236}">
+                <a16:creationId xmlns:a16="http://schemas.microsoft.com/office/drawing/2014/main" id="{90DDFB5E-B5C8-49C6-D5CA-571E29692B9A}"/>
+              </a:ext>
+            </a:extLst>
+          </p:cNvPr>
+          <p:cNvPicPr>
+            <a:picLocks noChangeAspect="1" noChangeArrowheads="1"/>
+          </p:cNvPicPr>
+          <p:nvPr/>
+        </p:nvPicPr>
+        <p:blipFill>
+          <a:blip r:embed="rId7">
+            <a:extLst>
+              <a:ext uri="{28A0092B-C50C-407E-A947-70E740481C1C}">
+                <a14:useLocalDpi xmlns:a14="http://schemas.microsoft.com/office/drawing/2010/main" val="0"/>
+              </a:ext>
+            </a:extLst>
+          </a:blip>
+          <a:srcRect/>
+          <a:stretch>
+            <a:fillRect/>
+          </a:stretch>
+        </p:blipFill>
+        <p:spPr bwMode="auto">
+          <a:xfrm>
+            <a:off x="7002151" y="5135691"/>
+            <a:ext cx="1256545" cy="1203142"/>
+          </a:xfrm>
+          <a:prstGeom prst="rect">
+            <a:avLst/>
+          </a:prstGeom>
+          <a:noFill/>
+          <a:extLst>
+            <a:ext uri="{909E8E84-426E-40DD-AFC4-6F175D3DCCD1}">
+              <a14:hiddenFill xmlns:a14="http://schemas.microsoft.com/office/drawing/2010/main">
+                <a:solidFill>
+                  <a:srgbClr val="FFFFFF"/>
+                </a:solidFill>
+              </a14:hiddenFill>
+            </a:ext>
+          </a:extLst>
+        </p:spPr>
+      </p:pic>
+      <p:pic>
+        <p:nvPicPr>
+          <p:cNvPr id="1034" name="Picture 10">
+            <a:extLst>
+              <a:ext uri="{FF2B5EF4-FFF2-40B4-BE49-F238E27FC236}">
+                <a16:creationId xmlns:a16="http://schemas.microsoft.com/office/drawing/2014/main" id="{071129A0-8DC7-749E-1F08-1A5C48B7FFF3}"/>
+              </a:ext>
+            </a:extLst>
+          </p:cNvPr>
+          <p:cNvPicPr>
+            <a:picLocks noChangeAspect="1" noChangeArrowheads="1"/>
+          </p:cNvPicPr>
+          <p:nvPr/>
+        </p:nvPicPr>
+        <p:blipFill rotWithShape="1">
+          <a:blip r:embed="rId8">
+            <a:extLst>
+              <a:ext uri="{28A0092B-C50C-407E-A947-70E740481C1C}">
+                <a14:useLocalDpi xmlns:a14="http://schemas.microsoft.com/office/drawing/2010/main" val="0"/>
+              </a:ext>
+            </a:extLst>
+          </a:blip>
+          <a:srcRect r="28084"/>
+          <a:stretch/>
+        </p:blipFill>
+        <p:spPr bwMode="auto">
+          <a:xfrm rot="1816116">
+            <a:off x="2686952" y="3216719"/>
+            <a:ext cx="787745" cy="1047750"/>
+          </a:xfrm>
+          <a:prstGeom prst="rect">
+            <a:avLst/>
+          </a:prstGeom>
+          <a:noFill/>
+          <a:extLst>
+            <a:ext uri="{909E8E84-426E-40DD-AFC4-6F175D3DCCD1}">
+              <a14:hiddenFill xmlns:a14="http://schemas.microsoft.com/office/drawing/2010/main">
+                <a:solidFill>
+                  <a:srgbClr val="FFFFFF"/>
+                </a:solidFill>
+              </a14:hiddenFill>
+            </a:ext>
+          </a:extLst>
+        </p:spPr>
+      </p:pic>
+      <p:sp>
+        <p:nvSpPr>
+          <p:cNvPr id="11" name="テキスト ボックス 10">
+            <a:extLst>
+              <a:ext uri="{FF2B5EF4-FFF2-40B4-BE49-F238E27FC236}">
+                <a16:creationId xmlns:a16="http://schemas.microsoft.com/office/drawing/2014/main" id="{2F014442-E3AB-D6F3-6BE5-8A4DF4138706}"/>
+              </a:ext>
+            </a:extLst>
+          </p:cNvPr>
+          <p:cNvSpPr txBox="1"/>
+          <p:nvPr/>
+        </p:nvSpPr>
+        <p:spPr>
+          <a:xfrm rot="404675">
+            <a:off x="153433" y="2750551"/>
+            <a:ext cx="4903944" cy="584775"/>
+          </a:xfrm>
+          <a:prstGeom prst="rect">
+            <a:avLst/>
+          </a:prstGeom>
+          <a:noFill/>
+        </p:spPr>
+        <p:txBody>
+          <a:bodyPr wrap="square" rtlCol="0">
+            <a:spAutoFit/>
+          </a:bodyPr>
+          <a:lstStyle/>
+          <a:p>
+            <a:r>
+              <a:rPr kumimoji="1" lang="ja-JP" altLang="en-US" sz="3200" dirty="0">
+                <a:ln w="12700">
+                  <a:solidFill>
+                    <a:srgbClr val="FF0000"/>
+                  </a:solidFill>
+                </a:ln>
+                <a:solidFill>
+                  <a:srgbClr val="FFFF00"/>
+                </a:solidFill>
+                <a:effectLst>
+                  <a:glow rad="190500">
+                    <a:srgbClr val="FF0000"/>
+                  </a:glow>
+                </a:effectLst>
+                <a:latin typeface="HGP創英ﾌﾟﾚｾﾞﾝｽEB" panose="02020800000000000000" pitchFamily="18" charset="-128"/>
+                <a:ea typeface="HGP創英ﾌﾟﾚｾﾞﾝｽEB" panose="02020800000000000000" pitchFamily="18" charset="-128"/>
+              </a:rPr>
+              <a:t>迫りくる敵を魔法で倒す！！</a:t>
+            </a:r>
+          </a:p>
+        </p:txBody>
+      </p:sp>
+      <p:pic>
+        <p:nvPicPr>
+          <p:cNvPr id="1032" name="Picture 8">
+            <a:extLst>
+              <a:ext uri="{FF2B5EF4-FFF2-40B4-BE49-F238E27FC236}">
+                <a16:creationId xmlns:a16="http://schemas.microsoft.com/office/drawing/2014/main" id="{F2D423BD-D7F8-2BA4-FDC5-FAD094AFBB0D}"/>
+              </a:ext>
+            </a:extLst>
+          </p:cNvPr>
+          <p:cNvPicPr>
+            <a:picLocks noChangeAspect="1" noChangeArrowheads="1"/>
+          </p:cNvPicPr>
+          <p:nvPr/>
+        </p:nvPicPr>
+        <p:blipFill>
+          <a:blip r:embed="rId9">
+            <a:extLst>
+              <a:ext uri="{28A0092B-C50C-407E-A947-70E740481C1C}">
+                <a14:useLocalDpi xmlns:a14="http://schemas.microsoft.com/office/drawing/2010/main" val="0"/>
+              </a:ext>
+            </a:extLst>
+          </a:blip>
+          <a:srcRect/>
+          <a:stretch>
+            <a:fillRect/>
+          </a:stretch>
+        </p:blipFill>
+        <p:spPr bwMode="auto">
+          <a:xfrm rot="964075">
+            <a:off x="2456007" y="4031419"/>
+            <a:ext cx="1028700" cy="981075"/>
+          </a:xfrm>
+          <a:prstGeom prst="rect">
+            <a:avLst/>
+          </a:prstGeom>
+          <a:noFill/>
+          <a:extLst>
+            <a:ext uri="{909E8E84-426E-40DD-AFC4-6F175D3DCCD1}">
+              <a14:hiddenFill xmlns:a14="http://schemas.microsoft.com/office/drawing/2010/main">
+                <a:solidFill>
+                  <a:srgbClr val="FFFFFF"/>
+                </a:solidFill>
+              </a14:hiddenFill>
+            </a:ext>
+          </a:extLst>
+        </p:spPr>
+      </p:pic>
+      <p:pic>
+        <p:nvPicPr>
+          <p:cNvPr id="13" name="図 12" descr="屋外, 建物, 家, ストリート が含まれている画像&#10;&#10;自動的に生成された説明">
+            <a:extLst>
+              <a:ext uri="{FF2B5EF4-FFF2-40B4-BE49-F238E27FC236}">
+                <a16:creationId xmlns:a16="http://schemas.microsoft.com/office/drawing/2014/main" id="{5AB311F5-1311-E87F-54BD-7D3C75D383B0}"/>
+              </a:ext>
+            </a:extLst>
+          </p:cNvPr>
+          <p:cNvPicPr>
+            <a:picLocks noChangeAspect="1"/>
+          </p:cNvPicPr>
+          <p:nvPr/>
+        </p:nvPicPr>
+        <p:blipFill>
+          <a:blip r:embed="rId10">
+            <a:extLst>
+              <a:ext uri="{28A0092B-C50C-407E-A947-70E740481C1C}">
+                <a14:useLocalDpi xmlns:a14="http://schemas.microsoft.com/office/drawing/2010/main" val="0"/>
+              </a:ext>
+            </a:extLst>
+          </a:blip>
+          <a:stretch>
+            <a:fillRect/>
+          </a:stretch>
+        </p:blipFill>
+        <p:spPr>
+          <a:xfrm rot="20615169">
+            <a:off x="6275873" y="229085"/>
+            <a:ext cx="2568414" cy="1445201"/>
+          </a:xfrm>
+          <a:prstGeom prst="rect">
+            <a:avLst/>
+          </a:prstGeom>
+          <a:effectLst>
+            <a:glow rad="127000">
+              <a:srgbClr val="AAB20A"/>
+            </a:glow>
+          </a:effectLst>
+        </p:spPr>
+      </p:pic>
+      <p:sp>
+        <p:nvSpPr>
+          <p:cNvPr id="6" name="テキスト ボックス 5">
+            <a:extLst>
+              <a:ext uri="{FF2B5EF4-FFF2-40B4-BE49-F238E27FC236}">
+                <a16:creationId xmlns:a16="http://schemas.microsoft.com/office/drawing/2014/main" id="{3F0CD1CA-1D83-339B-9C06-3892AD2A2F84}"/>
+              </a:ext>
+            </a:extLst>
+          </p:cNvPr>
+          <p:cNvSpPr txBox="1"/>
+          <p:nvPr/>
+        </p:nvSpPr>
+        <p:spPr>
+          <a:xfrm>
+            <a:off x="3464584" y="1810537"/>
+            <a:ext cx="5318875" cy="646331"/>
+          </a:xfrm>
+          <a:prstGeom prst="rect">
+            <a:avLst/>
+          </a:prstGeom>
+          <a:noFill/>
+        </p:spPr>
+        <p:txBody>
+          <a:bodyPr wrap="square" rtlCol="0">
+            <a:spAutoFit/>
+          </a:bodyPr>
+          <a:lstStyle/>
+          <a:p>
+            <a:pPr algn="ctr"/>
+            <a:r>
+              <a:rPr kumimoji="1" lang="ja-JP" altLang="en-US" sz="3600" b="1" dirty="0">
+                <a:ln w="15875">
+                  <a:solidFill>
+                    <a:srgbClr val="FFFF00"/>
+                  </a:solidFill>
+                </a:ln>
+                <a:solidFill>
+                  <a:srgbClr val="C00000"/>
+                </a:solidFill>
+                <a:effectLst>
+                  <a:glow rad="190500">
+                    <a:schemeClr val="bg1">
+                      <a:lumMod val="50000"/>
+                      <a:lumOff val="50000"/>
+                    </a:schemeClr>
+                  </a:glow>
+                </a:effectLst>
+                <a:latin typeface="HGP創英ﾌﾟﾚｾﾞﾝｽEB" panose="02020800000000000000" pitchFamily="18" charset="-128"/>
+                <a:ea typeface="HGP創英ﾌﾟﾚｾﾞﾝｽEB" panose="02020800000000000000" pitchFamily="18" charset="-128"/>
+              </a:rPr>
+              <a:t>荒廃した街を一人で探索</a:t>
+            </a:r>
+            <a:endParaRPr kumimoji="1" lang="en-US" altLang="ja-JP" sz="3600" b="1" dirty="0">
+              <a:ln w="15875">
+                <a:solidFill>
+                  <a:srgbClr val="FFFF00"/>
+                </a:solidFill>
+              </a:ln>
+              <a:solidFill>
+                <a:srgbClr val="C00000"/>
+              </a:solidFill>
+              <a:effectLst>
+                <a:glow rad="190500">
+                  <a:schemeClr val="bg1">
+                    <a:lumMod val="50000"/>
+                    <a:lumOff val="50000"/>
+                  </a:schemeClr>
+                </a:glow>
+              </a:effectLst>
+              <a:latin typeface="HGP創英ﾌﾟﾚｾﾞﾝｽEB" panose="02020800000000000000" pitchFamily="18" charset="-128"/>
+              <a:ea typeface="HGP創英ﾌﾟﾚｾﾞﾝｽEB" panose="02020800000000000000" pitchFamily="18" charset="-128"/>
+            </a:endParaRPr>
+          </a:p>
+        </p:txBody>
+      </p:sp>
+      <p:pic>
+        <p:nvPicPr>
+          <p:cNvPr id="12" name="Picture 8" descr="基本プレイ無料の魔法バトロワRPG『Spellbreak』配信開始―期間限定のプレゼントも！ | Game*Spark - 国内・海外ゲーム情報サイト">
+            <a:extLst>
+              <a:ext uri="{FF2B5EF4-FFF2-40B4-BE49-F238E27FC236}">
+                <a16:creationId xmlns:a16="http://schemas.microsoft.com/office/drawing/2014/main" id="{F2136B05-66A0-959A-6F3E-C08EF9D540BC}"/>
+              </a:ext>
+            </a:extLst>
+          </p:cNvPr>
+          <p:cNvPicPr>
+            <a:picLocks noChangeAspect="1" noChangeArrowheads="1"/>
+          </p:cNvPicPr>
+          <p:nvPr/>
+        </p:nvPicPr>
+        <p:blipFill>
+          <a:blip r:embed="rId11">
+            <a:extLst>
+              <a:ext uri="{28A0092B-C50C-407E-A947-70E740481C1C}">
+                <a14:useLocalDpi xmlns:a14="http://schemas.microsoft.com/office/drawing/2010/main" val="0"/>
+              </a:ext>
+            </a:extLst>
+          </a:blip>
+          <a:srcRect/>
+          <a:stretch>
+            <a:fillRect/>
+          </a:stretch>
+        </p:blipFill>
+        <p:spPr bwMode="auto">
+          <a:xfrm rot="706351">
+            <a:off x="380731" y="3306751"/>
+            <a:ext cx="2259322" cy="1267918"/>
+          </a:xfrm>
+          <a:prstGeom prst="rect">
+            <a:avLst/>
+          </a:prstGeom>
+          <a:noFill/>
+          <a:effectLst>
+            <a:glow rad="127000">
+              <a:srgbClr val="AAB20A"/>
+            </a:glow>
+          </a:effectLst>
+          <a:extLst>
+            <a:ext uri="{909E8E84-426E-40DD-AFC4-6F175D3DCCD1}">
+              <a14:hiddenFill xmlns:a14="http://schemas.microsoft.com/office/drawing/2010/main">
+                <a:solidFill>
+                  <a:srgbClr val="FFFFFF"/>
+                </a:solidFill>
+              </a14:hiddenFill>
+            </a:ext>
+          </a:extLst>
+        </p:spPr>
+      </p:pic>
     </p:spTree>
     <p:extLst>
       <p:ext uri="{BB962C8B-B14F-4D97-AF65-F5344CB8AC3E}">

--- a/3D_Game/企画書.pptx
+++ b/3D_Game/企画書.pptx
@@ -6,9 +6,6 @@
   </p:sldMasterIdLst>
   <p:sldIdLst>
     <p:sldId id="256" r:id="rId2"/>
-    <p:sldId id="257" r:id="rId3"/>
-    <p:sldId id="259" r:id="rId4"/>
-    <p:sldId id="260" r:id="rId5"/>
   </p:sldIdLst>
   <p:sldSz cx="12192000" cy="6858000"/>
   <p:notesSz cx="6858000" cy="9144000"/>
@@ -6648,8 +6645,8 @@
         </p:blipFill>
         <p:spPr bwMode="auto">
           <a:xfrm rot="865009">
-            <a:off x="9057313" y="335760"/>
-            <a:ext cx="2903737" cy="1633352"/>
+            <a:off x="9044368" y="353211"/>
+            <a:ext cx="3054660" cy="1718246"/>
           </a:xfrm>
           <a:prstGeom prst="rect">
             <a:avLst/>
@@ -6700,7 +6697,7 @@
         </p:blipFill>
         <p:spPr bwMode="auto">
           <a:xfrm rot="809398">
-            <a:off x="8562242" y="4408531"/>
+            <a:off x="8526802" y="4646374"/>
             <a:ext cx="3093979" cy="1736322"/>
           </a:xfrm>
           <a:prstGeom prst="rect">
@@ -6943,7 +6940,7 @@
         </p:blipFill>
         <p:spPr bwMode="auto">
           <a:xfrm rot="1816116">
-            <a:off x="2686952" y="3216719"/>
+            <a:off x="2558226" y="3698705"/>
             <a:ext cx="787745" cy="1047750"/>
           </a:xfrm>
           <a:prstGeom prst="rect">
@@ -6975,7 +6972,7 @@
         </p:nvSpPr>
         <p:spPr>
           <a:xfrm rot="404675">
-            <a:off x="153433" y="2750551"/>
+            <a:off x="142404" y="3007502"/>
             <a:ext cx="4903944" cy="584775"/>
           </a:xfrm>
           <a:prstGeom prst="rect">
@@ -7040,8 +7037,8 @@
           </a:stretch>
         </p:blipFill>
         <p:spPr bwMode="auto">
-          <a:xfrm rot="964075">
-            <a:off x="2456007" y="4031419"/>
+          <a:xfrm rot="1162262">
+            <a:off x="2167387" y="4487381"/>
             <a:ext cx="1028700" cy="981075"/>
           </a:xfrm>
           <a:prstGeom prst="rect">
@@ -7204,7 +7201,7 @@
         </p:blipFill>
         <p:spPr bwMode="auto">
           <a:xfrm rot="706351">
-            <a:off x="380731" y="3306751"/>
+            <a:off x="167526" y="3675492"/>
             <a:ext cx="2259322" cy="1267918"/>
           </a:xfrm>
           <a:prstGeom prst="rect">
@@ -7231,1227 +7228,6 @@
     <p:extLst>
       <p:ext uri="{BB962C8B-B14F-4D97-AF65-F5344CB8AC3E}">
         <p14:creationId xmlns:p14="http://schemas.microsoft.com/office/powerpoint/2010/main" val="2920689095"/>
-      </p:ext>
-    </p:extLst>
-  </p:cSld>
-  <p:clrMapOvr>
-    <a:masterClrMapping/>
-  </p:clrMapOvr>
-</p:sld>
-</file>
-
-<file path=ppt/slides/slide2.xml><?xml version="1.0" encoding="utf-8"?>
-<p:sld xmlns:a="http://schemas.openxmlformats.org/drawingml/2006/main" xmlns:r="http://schemas.openxmlformats.org/officeDocument/2006/relationships" xmlns:p="http://schemas.openxmlformats.org/presentationml/2006/main">
-  <p:cSld>
-    <p:bg>
-      <p:bgPr>
-        <a:solidFill>
-          <a:srgbClr val="8E0404"/>
-        </a:solidFill>
-        <a:effectLst/>
-      </p:bgPr>
-    </p:bg>
-    <p:spTree>
-      <p:nvGrpSpPr>
-        <p:cNvPr id="1" name=""/>
-        <p:cNvGrpSpPr/>
-        <p:nvPr/>
-      </p:nvGrpSpPr>
-      <p:grpSpPr>
-        <a:xfrm>
-          <a:off x="0" y="0"/>
-          <a:ext cx="0" cy="0"/>
-          <a:chOff x="0" y="0"/>
-          <a:chExt cx="0" cy="0"/>
-        </a:xfrm>
-      </p:grpSpPr>
-      <p:pic>
-        <p:nvPicPr>
-          <p:cNvPr id="2050" name="Picture 2" descr="紙が破れたようなイラスト | 無料イラスト素材｜素材ラボ">
-            <a:extLst>
-              <a:ext uri="{FF2B5EF4-FFF2-40B4-BE49-F238E27FC236}">
-                <a16:creationId xmlns:a16="http://schemas.microsoft.com/office/drawing/2014/main" id="{0E5AFFE5-7FC0-3498-49E7-D336C4037719}"/>
-              </a:ext>
-            </a:extLst>
-          </p:cNvPr>
-          <p:cNvPicPr>
-            <a:picLocks noGrp="1" noRot="1" noChangeAspect="1" noMove="1" noResize="1" noEditPoints="1" noAdjustHandles="1" noChangeArrowheads="1" noChangeShapeType="1" noCrop="1"/>
-          </p:cNvPicPr>
-          <p:nvPr/>
-        </p:nvPicPr>
-        <p:blipFill>
-          <a:blip r:embed="rId2">
-            <a:extLst>
-              <a:ext uri="{28A0092B-C50C-407E-A947-70E740481C1C}">
-                <a14:useLocalDpi xmlns:a14="http://schemas.microsoft.com/office/drawing/2010/main" val="0"/>
-              </a:ext>
-            </a:extLst>
-          </a:blip>
-          <a:srcRect/>
-          <a:stretch>
-            <a:fillRect/>
-          </a:stretch>
-        </p:blipFill>
-        <p:spPr bwMode="auto">
-          <a:xfrm>
-            <a:off x="-5324" y="0"/>
-            <a:ext cx="12192000" cy="6858000"/>
-          </a:xfrm>
-          <a:prstGeom prst="rect">
-            <a:avLst/>
-          </a:prstGeom>
-          <a:noFill/>
-          <a:extLst>
-            <a:ext uri="{909E8E84-426E-40DD-AFC4-6F175D3DCCD1}">
-              <a14:hiddenFill xmlns:a14="http://schemas.microsoft.com/office/drawing/2010/main">
-                <a:solidFill>
-                  <a:srgbClr val="FFFFFF"/>
-                </a:solidFill>
-              </a14:hiddenFill>
-            </a:ext>
-          </a:extLst>
-        </p:spPr>
-      </p:pic>
-      <p:sp>
-        <p:nvSpPr>
-          <p:cNvPr id="2" name="タイトル 1">
-            <a:extLst>
-              <a:ext uri="{FF2B5EF4-FFF2-40B4-BE49-F238E27FC236}">
-                <a16:creationId xmlns:a16="http://schemas.microsoft.com/office/drawing/2014/main" id="{BE88FD11-66BB-FC09-014B-B0A54E32419C}"/>
-              </a:ext>
-            </a:extLst>
-          </p:cNvPr>
-          <p:cNvSpPr>
-            <a:spLocks noGrp="1"/>
-          </p:cNvSpPr>
-          <p:nvPr>
-            <p:ph type="title"/>
-          </p:nvPr>
-        </p:nvSpPr>
-        <p:spPr/>
-        <p:txBody>
-          <a:bodyPr>
-            <a:noAutofit/>
-          </a:bodyPr>
-          <a:lstStyle/>
-          <a:p>
-            <a:r>
-              <a:rPr kumimoji="1" lang="ja-JP" altLang="en-US" sz="6600" b="1" dirty="0">
-                <a:ln w="28575">
-                  <a:solidFill>
-                    <a:srgbClr val="AAB20A"/>
-                  </a:solidFill>
-                </a:ln>
-                <a:solidFill>
-                  <a:schemeClr val="accent2">
-                    <a:lumMod val="50000"/>
-                  </a:schemeClr>
-                </a:solidFill>
-                <a:latin typeface="HGP創英ﾌﾟﾚｾﾞﾝｽEB" panose="02020800000000000000" pitchFamily="18" charset="-128"/>
-                <a:ea typeface="HGP創英ﾌﾟﾚｾﾞﾝｽEB" panose="02020800000000000000" pitchFamily="18" charset="-128"/>
-              </a:rPr>
-              <a:t>荒廃した街</a:t>
-            </a:r>
-            <a:endParaRPr kumimoji="1" lang="ja-JP" altLang="en-US" sz="6600" dirty="0">
-              <a:ln w="28575">
-                <a:solidFill>
-                  <a:srgbClr val="AAB20A"/>
-                </a:solidFill>
-              </a:ln>
-              <a:latin typeface="HGP創英ﾌﾟﾚｾﾞﾝｽEB" panose="02020800000000000000" pitchFamily="18" charset="-128"/>
-              <a:ea typeface="HGP創英ﾌﾟﾚｾﾞﾝｽEB" panose="02020800000000000000" pitchFamily="18" charset="-128"/>
-            </a:endParaRPr>
-          </a:p>
-        </p:txBody>
-      </p:sp>
-      <p:sp>
-        <p:nvSpPr>
-          <p:cNvPr id="3" name="コンテンツ プレースホルダー 2">
-            <a:extLst>
-              <a:ext uri="{FF2B5EF4-FFF2-40B4-BE49-F238E27FC236}">
-                <a16:creationId xmlns:a16="http://schemas.microsoft.com/office/drawing/2014/main" id="{EE3BE209-C2C1-6003-981E-AA956CB07053}"/>
-              </a:ext>
-            </a:extLst>
-          </p:cNvPr>
-          <p:cNvSpPr>
-            <a:spLocks noGrp="1"/>
-          </p:cNvSpPr>
-          <p:nvPr>
-            <p:ph idx="1"/>
-          </p:nvPr>
-        </p:nvSpPr>
-        <p:spPr>
-          <a:xfrm>
-            <a:off x="913795" y="1851111"/>
-            <a:ext cx="10353762" cy="457201"/>
-          </a:xfrm>
-        </p:spPr>
-        <p:txBody>
-          <a:bodyPr>
-            <a:noAutofit/>
-          </a:bodyPr>
-          <a:lstStyle/>
-          <a:p>
-            <a:pPr marL="36900" indent="0" algn="ctr">
-              <a:buNone/>
-            </a:pPr>
-            <a:r>
-              <a:rPr kumimoji="1" lang="ja-JP" altLang="en-US" sz="3200" dirty="0">
-                <a:latin typeface="HGP創英ﾌﾟﾚｾﾞﾝｽEB" panose="02020800000000000000" pitchFamily="18" charset="-128"/>
-                <a:ea typeface="HGP創英ﾌﾟﾚｾﾞﾝｽEB" panose="02020800000000000000" pitchFamily="18" charset="-128"/>
-              </a:rPr>
-              <a:t>ステージの概要</a:t>
-            </a:r>
-          </a:p>
-        </p:txBody>
-      </p:sp>
-      <p:pic>
-        <p:nvPicPr>
-          <p:cNvPr id="2052" name="Picture 4">
-            <a:extLst>
-              <a:ext uri="{FF2B5EF4-FFF2-40B4-BE49-F238E27FC236}">
-                <a16:creationId xmlns:a16="http://schemas.microsoft.com/office/drawing/2014/main" id="{7A895EC9-F51B-8CAC-C70F-B0104CE2ACD6}"/>
-              </a:ext>
-            </a:extLst>
-          </p:cNvPr>
-          <p:cNvPicPr>
-            <a:picLocks noChangeAspect="1" noChangeArrowheads="1"/>
-          </p:cNvPicPr>
-          <p:nvPr/>
-        </p:nvPicPr>
-        <p:blipFill>
-          <a:blip r:embed="rId3">
-            <a:extLst>
-              <a:ext uri="{28A0092B-C50C-407E-A947-70E740481C1C}">
-                <a14:useLocalDpi xmlns:a14="http://schemas.microsoft.com/office/drawing/2010/main" val="0"/>
-              </a:ext>
-            </a:extLst>
-          </a:blip>
-          <a:srcRect/>
-          <a:stretch>
-            <a:fillRect/>
-          </a:stretch>
-        </p:blipFill>
-        <p:spPr bwMode="auto">
-          <a:xfrm rot="20672151">
-            <a:off x="-205189" y="330879"/>
-            <a:ext cx="3933969" cy="2212857"/>
-          </a:xfrm>
-          <a:prstGeom prst="rect">
-            <a:avLst/>
-          </a:prstGeom>
-          <a:noFill/>
-          <a:effectLst>
-            <a:glow rad="127000">
-              <a:srgbClr val="AAB20A"/>
-            </a:glow>
-          </a:effectLst>
-          <a:extLst>
-            <a:ext uri="{909E8E84-426E-40DD-AFC4-6F175D3DCCD1}">
-              <a14:hiddenFill xmlns:a14="http://schemas.microsoft.com/office/drawing/2010/main">
-                <a:solidFill>
-                  <a:srgbClr val="FFFFFF"/>
-                </a:solidFill>
-              </a14:hiddenFill>
-            </a:ext>
-          </a:extLst>
-        </p:spPr>
-      </p:pic>
-      <p:sp>
-        <p:nvSpPr>
-          <p:cNvPr id="4" name="テキスト ボックス 3">
-            <a:extLst>
-              <a:ext uri="{FF2B5EF4-FFF2-40B4-BE49-F238E27FC236}">
-                <a16:creationId xmlns:a16="http://schemas.microsoft.com/office/drawing/2014/main" id="{00336AFC-1879-70E9-910E-9A1ABC4F07AC}"/>
-              </a:ext>
-            </a:extLst>
-          </p:cNvPr>
-          <p:cNvSpPr txBox="1"/>
-          <p:nvPr/>
-        </p:nvSpPr>
-        <p:spPr>
-          <a:xfrm>
-            <a:off x="1536372" y="2937802"/>
-            <a:ext cx="9108607" cy="3046988"/>
-          </a:xfrm>
-          <a:prstGeom prst="rect">
-            <a:avLst/>
-          </a:prstGeom>
-          <a:noFill/>
-        </p:spPr>
-        <p:txBody>
-          <a:bodyPr wrap="square" rtlCol="0">
-            <a:spAutoFit/>
-          </a:bodyPr>
-          <a:lstStyle/>
-          <a:p>
-            <a:pPr marL="285750" indent="-285750">
-              <a:buFont typeface="Wingdings" panose="05000000000000000000" pitchFamily="2" charset="2"/>
-              <a:buChar char="u"/>
-            </a:pPr>
-            <a:r>
-              <a:rPr kumimoji="1" lang="ja-JP" altLang="en-US" sz="3200" dirty="0">
-                <a:ln w="15875">
-                  <a:solidFill>
-                    <a:schemeClr val="bg1">
-                      <a:lumMod val="75000"/>
-                      <a:lumOff val="25000"/>
-                    </a:schemeClr>
-                  </a:solidFill>
-                </a:ln>
-                <a:latin typeface="HGP創英ﾌﾟﾚｾﾞﾝｽEB" panose="02020800000000000000" pitchFamily="18" charset="-128"/>
-                <a:ea typeface="HGP創英ﾌﾟﾚｾﾞﾝｽEB" panose="02020800000000000000" pitchFamily="18" charset="-128"/>
-              </a:rPr>
-              <a:t>アンデッドに支配された街を取り返す</a:t>
-            </a:r>
-            <a:endParaRPr kumimoji="1" lang="en-US" altLang="ja-JP" sz="3200" dirty="0">
-              <a:ln w="15875">
-                <a:solidFill>
-                  <a:schemeClr val="bg1">
-                    <a:lumMod val="75000"/>
-                    <a:lumOff val="25000"/>
-                  </a:schemeClr>
-                </a:solidFill>
-              </a:ln>
-              <a:latin typeface="HGP創英ﾌﾟﾚｾﾞﾝｽEB" panose="02020800000000000000" pitchFamily="18" charset="-128"/>
-              <a:ea typeface="HGP創英ﾌﾟﾚｾﾞﾝｽEB" panose="02020800000000000000" pitchFamily="18" charset="-128"/>
-            </a:endParaRPr>
-          </a:p>
-          <a:p>
-            <a:endParaRPr kumimoji="1" lang="en-US" altLang="ja-JP" sz="3200" dirty="0">
-              <a:ln w="15875">
-                <a:solidFill>
-                  <a:schemeClr val="bg1">
-                    <a:lumMod val="75000"/>
-                    <a:lumOff val="25000"/>
-                  </a:schemeClr>
-                </a:solidFill>
-              </a:ln>
-              <a:latin typeface="HGP創英ﾌﾟﾚｾﾞﾝｽEB" panose="02020800000000000000" pitchFamily="18" charset="-128"/>
-              <a:ea typeface="HGP創英ﾌﾟﾚｾﾞﾝｽEB" panose="02020800000000000000" pitchFamily="18" charset="-128"/>
-            </a:endParaRPr>
-          </a:p>
-          <a:p>
-            <a:pPr marL="285750" indent="-285750">
-              <a:buFont typeface="Wingdings" panose="05000000000000000000" pitchFamily="2" charset="2"/>
-              <a:buChar char="u"/>
-            </a:pPr>
-            <a:r>
-              <a:rPr kumimoji="1" lang="ja-JP" altLang="en-US" sz="3200" dirty="0">
-                <a:ln w="15875">
-                  <a:solidFill>
-                    <a:schemeClr val="bg1">
-                      <a:lumMod val="75000"/>
-                      <a:lumOff val="25000"/>
-                    </a:schemeClr>
-                  </a:solidFill>
-                </a:ln>
-                <a:latin typeface="HGP創英ﾌﾟﾚｾﾞﾝｽEB" panose="02020800000000000000" pitchFamily="18" charset="-128"/>
-                <a:ea typeface="HGP創英ﾌﾟﾚｾﾞﾝｽEB" panose="02020800000000000000" pitchFamily="18" charset="-128"/>
-              </a:rPr>
-              <a:t>現代の街並みが荒廃</a:t>
-            </a:r>
-            <a:endParaRPr kumimoji="1" lang="en-US" altLang="ja-JP" sz="3200" dirty="0">
-              <a:ln w="15875">
-                <a:solidFill>
-                  <a:schemeClr val="bg1">
-                    <a:lumMod val="75000"/>
-                    <a:lumOff val="25000"/>
-                  </a:schemeClr>
-                </a:solidFill>
-              </a:ln>
-              <a:latin typeface="HGP創英ﾌﾟﾚｾﾞﾝｽEB" panose="02020800000000000000" pitchFamily="18" charset="-128"/>
-              <a:ea typeface="HGP創英ﾌﾟﾚｾﾞﾝｽEB" panose="02020800000000000000" pitchFamily="18" charset="-128"/>
-            </a:endParaRPr>
-          </a:p>
-          <a:p>
-            <a:pPr marL="285750" indent="-285750">
-              <a:buFont typeface="Wingdings" panose="05000000000000000000" pitchFamily="2" charset="2"/>
-              <a:buChar char="u"/>
-            </a:pPr>
-            <a:endParaRPr kumimoji="1" lang="en-US" altLang="ja-JP" sz="3200" dirty="0">
-              <a:ln w="15875">
-                <a:solidFill>
-                  <a:schemeClr val="bg1">
-                    <a:lumMod val="75000"/>
-                    <a:lumOff val="25000"/>
-                  </a:schemeClr>
-                </a:solidFill>
-              </a:ln>
-              <a:latin typeface="HGP創英ﾌﾟﾚｾﾞﾝｽEB" panose="02020800000000000000" pitchFamily="18" charset="-128"/>
-              <a:ea typeface="HGP創英ﾌﾟﾚｾﾞﾝｽEB" panose="02020800000000000000" pitchFamily="18" charset="-128"/>
-            </a:endParaRPr>
-          </a:p>
-          <a:p>
-            <a:pPr marL="285750" indent="-285750">
-              <a:buFont typeface="Wingdings" panose="05000000000000000000" pitchFamily="2" charset="2"/>
-              <a:buChar char="u"/>
-            </a:pPr>
-            <a:r>
-              <a:rPr kumimoji="1" lang="ja-JP" altLang="en-US" sz="3200" dirty="0">
-                <a:ln w="15875">
-                  <a:solidFill>
-                    <a:schemeClr val="bg1">
-                      <a:lumMod val="75000"/>
-                      <a:lumOff val="25000"/>
-                    </a:schemeClr>
-                  </a:solidFill>
-                </a:ln>
-                <a:latin typeface="HGP創英ﾌﾟﾚｾﾞﾝｽEB" panose="02020800000000000000" pitchFamily="18" charset="-128"/>
-                <a:ea typeface="HGP創英ﾌﾟﾚｾﾞﾝｽEB" panose="02020800000000000000" pitchFamily="18" charset="-128"/>
-              </a:rPr>
-              <a:t>魔法が使えるキャラクター</a:t>
-            </a:r>
-            <a:endParaRPr kumimoji="1" lang="en-US" altLang="ja-JP" sz="3200" dirty="0">
-              <a:ln w="15875">
-                <a:solidFill>
-                  <a:schemeClr val="bg1">
-                    <a:lumMod val="75000"/>
-                    <a:lumOff val="25000"/>
-                  </a:schemeClr>
-                </a:solidFill>
-              </a:ln>
-              <a:latin typeface="HGP創英ﾌﾟﾚｾﾞﾝｽEB" panose="02020800000000000000" pitchFamily="18" charset="-128"/>
-              <a:ea typeface="HGP創英ﾌﾟﾚｾﾞﾝｽEB" panose="02020800000000000000" pitchFamily="18" charset="-128"/>
-            </a:endParaRPr>
-          </a:p>
-          <a:p>
-            <a:pPr marL="285750" indent="-285750">
-              <a:buFont typeface="Wingdings" panose="05000000000000000000" pitchFamily="2" charset="2"/>
-              <a:buChar char="u"/>
-            </a:pPr>
-            <a:endParaRPr kumimoji="1" lang="en-US" altLang="ja-JP" sz="3200" dirty="0">
-              <a:latin typeface="HGP創英ﾌﾟﾚｾﾞﾝｽEB" panose="02020800000000000000" pitchFamily="18" charset="-128"/>
-              <a:ea typeface="HGP創英ﾌﾟﾚｾﾞﾝｽEB" panose="02020800000000000000" pitchFamily="18" charset="-128"/>
-            </a:endParaRPr>
-          </a:p>
-        </p:txBody>
-      </p:sp>
-      <p:pic>
-        <p:nvPicPr>
-          <p:cNvPr id="2056" name="Picture 8" descr="基本プレイ無料の魔法バトロワRPG『Spellbreak』配信開始―期間限定のプレゼントも！ | Game*Spark - 国内・海外ゲーム情報サイト">
-            <a:extLst>
-              <a:ext uri="{FF2B5EF4-FFF2-40B4-BE49-F238E27FC236}">
-                <a16:creationId xmlns:a16="http://schemas.microsoft.com/office/drawing/2014/main" id="{7F8C6C0E-DC12-F4FD-F37C-803B5F0003C7}"/>
-              </a:ext>
-            </a:extLst>
-          </p:cNvPr>
-          <p:cNvPicPr>
-            <a:picLocks noChangeAspect="1" noChangeArrowheads="1"/>
-          </p:cNvPicPr>
-          <p:nvPr/>
-        </p:nvPicPr>
-        <p:blipFill>
-          <a:blip r:embed="rId4">
-            <a:extLst>
-              <a:ext uri="{28A0092B-C50C-407E-A947-70E740481C1C}">
-                <a14:useLocalDpi xmlns:a14="http://schemas.microsoft.com/office/drawing/2010/main" val="0"/>
-              </a:ext>
-            </a:extLst>
-          </a:blip>
-          <a:srcRect/>
-          <a:stretch>
-            <a:fillRect/>
-          </a:stretch>
-        </p:blipFill>
-        <p:spPr bwMode="auto">
-          <a:xfrm rot="706351">
-            <a:off x="6817106" y="4252155"/>
-            <a:ext cx="3748151" cy="2103440"/>
-          </a:xfrm>
-          <a:prstGeom prst="rect">
-            <a:avLst/>
-          </a:prstGeom>
-          <a:noFill/>
-          <a:effectLst>
-            <a:glow rad="127000">
-              <a:srgbClr val="AAB20A"/>
-            </a:glow>
-          </a:effectLst>
-          <a:extLst>
-            <a:ext uri="{909E8E84-426E-40DD-AFC4-6F175D3DCCD1}">
-              <a14:hiddenFill xmlns:a14="http://schemas.microsoft.com/office/drawing/2010/main">
-                <a:solidFill>
-                  <a:srgbClr val="FFFFFF"/>
-                </a:solidFill>
-              </a14:hiddenFill>
-            </a:ext>
-          </a:extLst>
-        </p:spPr>
-      </p:pic>
-    </p:spTree>
-    <p:extLst>
-      <p:ext uri="{BB962C8B-B14F-4D97-AF65-F5344CB8AC3E}">
-        <p14:creationId xmlns:p14="http://schemas.microsoft.com/office/powerpoint/2010/main" val="1085547926"/>
-      </p:ext>
-    </p:extLst>
-  </p:cSld>
-  <p:clrMapOvr>
-    <a:masterClrMapping/>
-  </p:clrMapOvr>
-</p:sld>
-</file>
-
-<file path=ppt/slides/slide3.xml><?xml version="1.0" encoding="utf-8"?>
-<p:sld xmlns:a="http://schemas.openxmlformats.org/drawingml/2006/main" xmlns:r="http://schemas.openxmlformats.org/officeDocument/2006/relationships" xmlns:p="http://schemas.openxmlformats.org/presentationml/2006/main">
-  <p:cSld>
-    <p:bg>
-      <p:bgPr>
-        <a:solidFill>
-          <a:srgbClr val="8E0404"/>
-        </a:solidFill>
-        <a:effectLst/>
-      </p:bgPr>
-    </p:bg>
-    <p:spTree>
-      <p:nvGrpSpPr>
-        <p:cNvPr id="1" name=""/>
-        <p:cNvGrpSpPr/>
-        <p:nvPr/>
-      </p:nvGrpSpPr>
-      <p:grpSpPr>
-        <a:xfrm>
-          <a:off x="0" y="0"/>
-          <a:ext cx="0" cy="0"/>
-          <a:chOff x="0" y="0"/>
-          <a:chExt cx="0" cy="0"/>
-        </a:xfrm>
-      </p:grpSpPr>
-      <p:pic>
-        <p:nvPicPr>
-          <p:cNvPr id="4" name="Picture 2" descr="紙が破れたようなイラスト | 無料イラスト素材｜素材ラボ">
-            <a:extLst>
-              <a:ext uri="{FF2B5EF4-FFF2-40B4-BE49-F238E27FC236}">
-                <a16:creationId xmlns:a16="http://schemas.microsoft.com/office/drawing/2014/main" id="{5E378548-0094-75F5-9DD4-A7230D518260}"/>
-              </a:ext>
-            </a:extLst>
-          </p:cNvPr>
-          <p:cNvPicPr>
-            <a:picLocks noGrp="1" noRot="1" noChangeAspect="1" noMove="1" noResize="1" noEditPoints="1" noAdjustHandles="1" noChangeArrowheads="1" noChangeShapeType="1" noCrop="1"/>
-          </p:cNvPicPr>
-          <p:nvPr/>
-        </p:nvPicPr>
-        <p:blipFill>
-          <a:blip r:embed="rId2">
-            <a:extLst>
-              <a:ext uri="{28A0092B-C50C-407E-A947-70E740481C1C}">
-                <a14:useLocalDpi xmlns:a14="http://schemas.microsoft.com/office/drawing/2010/main" val="0"/>
-              </a:ext>
-            </a:extLst>
-          </a:blip>
-          <a:srcRect/>
-          <a:stretch>
-            <a:fillRect/>
-          </a:stretch>
-        </p:blipFill>
-        <p:spPr bwMode="auto">
-          <a:xfrm>
-            <a:off x="0" y="0"/>
-            <a:ext cx="12192000" cy="6858000"/>
-          </a:xfrm>
-          <a:prstGeom prst="rect">
-            <a:avLst/>
-          </a:prstGeom>
-          <a:noFill/>
-          <a:extLst>
-            <a:ext uri="{909E8E84-426E-40DD-AFC4-6F175D3DCCD1}">
-              <a14:hiddenFill xmlns:a14="http://schemas.microsoft.com/office/drawing/2010/main">
-                <a:solidFill>
-                  <a:srgbClr val="FFFFFF"/>
-                </a:solidFill>
-              </a14:hiddenFill>
-            </a:ext>
-          </a:extLst>
-        </p:spPr>
-      </p:pic>
-      <p:pic>
-        <p:nvPicPr>
-          <p:cNvPr id="8" name="図 7" descr="屋外, 建物, 家, ストリート が含まれている画像&#10;&#10;自動的に生成された説明">
-            <a:extLst>
-              <a:ext uri="{FF2B5EF4-FFF2-40B4-BE49-F238E27FC236}">
-                <a16:creationId xmlns:a16="http://schemas.microsoft.com/office/drawing/2014/main" id="{7F446840-93A4-7E68-5473-C2CF60A80B3D}"/>
-              </a:ext>
-            </a:extLst>
-          </p:cNvPr>
-          <p:cNvPicPr>
-            <a:picLocks noChangeAspect="1"/>
-          </p:cNvPicPr>
-          <p:nvPr/>
-        </p:nvPicPr>
-        <p:blipFill>
-          <a:blip r:embed="rId3">
-            <a:extLst>
-              <a:ext uri="{28A0092B-C50C-407E-A947-70E740481C1C}">
-                <a14:useLocalDpi xmlns:a14="http://schemas.microsoft.com/office/drawing/2010/main" val="0"/>
-              </a:ext>
-            </a:extLst>
-          </a:blip>
-          <a:stretch>
-            <a:fillRect/>
-          </a:stretch>
-        </p:blipFill>
-        <p:spPr>
-          <a:xfrm rot="20422303">
-            <a:off x="-476858" y="215205"/>
-            <a:ext cx="4107956" cy="2311474"/>
-          </a:xfrm>
-          <a:prstGeom prst="rect">
-            <a:avLst/>
-          </a:prstGeom>
-          <a:effectLst>
-            <a:glow rad="127000">
-              <a:srgbClr val="AAB20A"/>
-            </a:glow>
-          </a:effectLst>
-        </p:spPr>
-      </p:pic>
-      <p:sp>
-        <p:nvSpPr>
-          <p:cNvPr id="2" name="タイトル 1">
-            <a:extLst>
-              <a:ext uri="{FF2B5EF4-FFF2-40B4-BE49-F238E27FC236}">
-                <a16:creationId xmlns:a16="http://schemas.microsoft.com/office/drawing/2014/main" id="{356090FC-9D27-E315-D744-2D709EEF05A8}"/>
-              </a:ext>
-            </a:extLst>
-          </p:cNvPr>
-          <p:cNvSpPr>
-            <a:spLocks noGrp="1"/>
-          </p:cNvSpPr>
-          <p:nvPr>
-            <p:ph type="title"/>
-          </p:nvPr>
-        </p:nvSpPr>
-        <p:spPr>
-          <a:xfrm>
-            <a:off x="913795" y="400493"/>
-            <a:ext cx="10353762" cy="970450"/>
-          </a:xfrm>
-        </p:spPr>
-        <p:txBody>
-          <a:bodyPr>
-            <a:normAutofit/>
-          </a:bodyPr>
-          <a:lstStyle/>
-          <a:p>
-            <a:r>
-              <a:rPr lang="ja-JP" altLang="en-US" sz="4800" b="1" dirty="0">
-                <a:ln w="28575">
-                  <a:solidFill>
-                    <a:srgbClr val="AAB20A"/>
-                  </a:solidFill>
-                </a:ln>
-                <a:solidFill>
-                  <a:schemeClr val="accent2">
-                    <a:lumMod val="50000"/>
-                  </a:schemeClr>
-                </a:solidFill>
-                <a:latin typeface="HGP創英ﾌﾟﾚｾﾞﾝｽEB" panose="02020800000000000000" pitchFamily="18" charset="-128"/>
-                <a:ea typeface="HGP創英ﾌﾟﾚｾﾞﾝｽEB" panose="02020800000000000000" pitchFamily="18" charset="-128"/>
-              </a:rPr>
-              <a:t>ステージ、キャラの特徴</a:t>
-            </a:r>
-            <a:endParaRPr kumimoji="1" lang="ja-JP" altLang="en-US" sz="4800" dirty="0">
-              <a:ln w="63500">
-                <a:solidFill>
-                  <a:srgbClr val="AAB20A">
-                    <a:alpha val="0"/>
-                  </a:srgbClr>
-                </a:solidFill>
-              </a:ln>
-              <a:solidFill>
-                <a:schemeClr val="accent2">
-                  <a:lumMod val="50000"/>
-                </a:schemeClr>
-              </a:solidFill>
-              <a:latin typeface="HGP創英ﾌﾟﾚｾﾞﾝｽEB" panose="02020800000000000000" pitchFamily="18" charset="-128"/>
-              <a:ea typeface="HGP創英ﾌﾟﾚｾﾞﾝｽEB" panose="02020800000000000000" pitchFamily="18" charset="-128"/>
-            </a:endParaRPr>
-          </a:p>
-        </p:txBody>
-      </p:sp>
-      <p:pic>
-        <p:nvPicPr>
-          <p:cNvPr id="5126" name="Picture 6" descr="SF史に残る（べき）ゲーム】第2回：「NieR:Automata」――人工知能の実存主義">
-            <a:extLst>
-              <a:ext uri="{FF2B5EF4-FFF2-40B4-BE49-F238E27FC236}">
-                <a16:creationId xmlns:a16="http://schemas.microsoft.com/office/drawing/2014/main" id="{DC4A4496-E536-AEBD-46F8-262F1892948A}"/>
-              </a:ext>
-            </a:extLst>
-          </p:cNvPr>
-          <p:cNvPicPr>
-            <a:picLocks noChangeAspect="1" noChangeArrowheads="1"/>
-          </p:cNvPicPr>
-          <p:nvPr/>
-        </p:nvPicPr>
-        <p:blipFill>
-          <a:blip r:embed="rId4">
-            <a:extLst>
-              <a:ext uri="{28A0092B-C50C-407E-A947-70E740481C1C}">
-                <a14:useLocalDpi xmlns:a14="http://schemas.microsoft.com/office/drawing/2010/main" val="0"/>
-              </a:ext>
-            </a:extLst>
-          </a:blip>
-          <a:srcRect/>
-          <a:stretch>
-            <a:fillRect/>
-          </a:stretch>
-        </p:blipFill>
-        <p:spPr bwMode="auto">
-          <a:xfrm rot="760470">
-            <a:off x="7581232" y="4386329"/>
-            <a:ext cx="4132791" cy="2324695"/>
-          </a:xfrm>
-          <a:prstGeom prst="rect">
-            <a:avLst/>
-          </a:prstGeom>
-          <a:noFill/>
-          <a:effectLst>
-            <a:glow rad="127000">
-              <a:srgbClr val="AAB20A"/>
-            </a:glow>
-          </a:effectLst>
-          <a:extLst>
-            <a:ext uri="{909E8E84-426E-40DD-AFC4-6F175D3DCCD1}">
-              <a14:hiddenFill xmlns:a14="http://schemas.microsoft.com/office/drawing/2010/main">
-                <a:solidFill>
-                  <a:srgbClr val="FFFFFF"/>
-                </a:solidFill>
-              </a14:hiddenFill>
-            </a:ext>
-          </a:extLst>
-        </p:spPr>
-      </p:pic>
-      <p:sp>
-        <p:nvSpPr>
-          <p:cNvPr id="3" name="コンテンツ プレースホルダー 2">
-            <a:extLst>
-              <a:ext uri="{FF2B5EF4-FFF2-40B4-BE49-F238E27FC236}">
-                <a16:creationId xmlns:a16="http://schemas.microsoft.com/office/drawing/2014/main" id="{AF5E867A-C0BE-9BDE-B195-8CF085DD6F19}"/>
-              </a:ext>
-            </a:extLst>
-          </p:cNvPr>
-          <p:cNvSpPr>
-            <a:spLocks noGrp="1"/>
-          </p:cNvSpPr>
-          <p:nvPr>
-            <p:ph idx="1"/>
-          </p:nvPr>
-        </p:nvSpPr>
-        <p:spPr>
-          <a:xfrm>
-            <a:off x="913795" y="2036861"/>
-            <a:ext cx="10353762" cy="3427885"/>
-          </a:xfrm>
-        </p:spPr>
-        <p:txBody>
-          <a:bodyPr>
-            <a:normAutofit lnSpcReduction="10000"/>
-          </a:bodyPr>
-          <a:lstStyle/>
-          <a:p>
-            <a:pPr>
-              <a:buFont typeface="Wingdings" panose="05000000000000000000" pitchFamily="2" charset="2"/>
-              <a:buChar char="u"/>
-            </a:pPr>
-            <a:r>
-              <a:rPr kumimoji="1" lang="ja-JP" altLang="en-US" sz="3600" dirty="0">
-                <a:ln w="15875">
-                  <a:solidFill>
-                    <a:schemeClr val="bg1">
-                      <a:lumMod val="75000"/>
-                      <a:lumOff val="25000"/>
-                    </a:schemeClr>
-                  </a:solidFill>
-                </a:ln>
-                <a:latin typeface="HGP創英ﾌﾟﾚｾﾞﾝｽEB" panose="02020800000000000000" pitchFamily="18" charset="-128"/>
-                <a:ea typeface="HGP創英ﾌﾟﾚｾﾞﾝｽEB" panose="02020800000000000000" pitchFamily="18" charset="-128"/>
-              </a:rPr>
-              <a:t>荒廃している雰囲気を出す</a:t>
-            </a:r>
-            <a:endParaRPr kumimoji="1" lang="en-US" altLang="ja-JP" sz="3600" dirty="0">
-              <a:ln w="15875">
-                <a:solidFill>
-                  <a:schemeClr val="bg1">
-                    <a:lumMod val="75000"/>
-                    <a:lumOff val="25000"/>
-                  </a:schemeClr>
-                </a:solidFill>
-              </a:ln>
-              <a:latin typeface="HGP創英ﾌﾟﾚｾﾞﾝｽEB" panose="02020800000000000000" pitchFamily="18" charset="-128"/>
-              <a:ea typeface="HGP創英ﾌﾟﾚｾﾞﾝｽEB" panose="02020800000000000000" pitchFamily="18" charset="-128"/>
-            </a:endParaRPr>
-          </a:p>
-          <a:p>
-            <a:pPr>
-              <a:buFont typeface="Wingdings" panose="05000000000000000000" pitchFamily="2" charset="2"/>
-              <a:buChar char="u"/>
-            </a:pPr>
-            <a:endParaRPr kumimoji="1" lang="en-US" altLang="ja-JP" sz="3600" dirty="0">
-              <a:ln w="15875">
-                <a:solidFill>
-                  <a:schemeClr val="bg1">
-                    <a:lumMod val="75000"/>
-                    <a:lumOff val="25000"/>
-                  </a:schemeClr>
-                </a:solidFill>
-              </a:ln>
-              <a:latin typeface="HGP創英ﾌﾟﾚｾﾞﾝｽEB" panose="02020800000000000000" pitchFamily="18" charset="-128"/>
-              <a:ea typeface="HGP創英ﾌﾟﾚｾﾞﾝｽEB" panose="02020800000000000000" pitchFamily="18" charset="-128"/>
-            </a:endParaRPr>
-          </a:p>
-          <a:p>
-            <a:pPr>
-              <a:buFont typeface="Wingdings" panose="05000000000000000000" pitchFamily="2" charset="2"/>
-              <a:buChar char="u"/>
-            </a:pPr>
-            <a:r>
-              <a:rPr lang="ja-JP" altLang="en-US" sz="3600" dirty="0">
-                <a:ln w="15875">
-                  <a:solidFill>
-                    <a:schemeClr val="bg1">
-                      <a:lumMod val="75000"/>
-                      <a:lumOff val="25000"/>
-                    </a:schemeClr>
-                  </a:solidFill>
-                </a:ln>
-                <a:latin typeface="HGP創英ﾌﾟﾚｾﾞﾝｽEB" panose="02020800000000000000" pitchFamily="18" charset="-128"/>
-                <a:ea typeface="HGP創英ﾌﾟﾚｾﾞﾝｽEB" panose="02020800000000000000" pitchFamily="18" charset="-128"/>
-              </a:rPr>
-              <a:t>キャラクターそれぞれのモーションにこだわる</a:t>
-            </a:r>
-            <a:endParaRPr lang="en-US" altLang="ja-JP" sz="3600" dirty="0">
-              <a:ln w="15875">
-                <a:solidFill>
-                  <a:schemeClr val="bg1">
-                    <a:lumMod val="75000"/>
-                    <a:lumOff val="25000"/>
-                  </a:schemeClr>
-                </a:solidFill>
-              </a:ln>
-              <a:latin typeface="HGP創英ﾌﾟﾚｾﾞﾝｽEB" panose="02020800000000000000" pitchFamily="18" charset="-128"/>
-              <a:ea typeface="HGP創英ﾌﾟﾚｾﾞﾝｽEB" panose="02020800000000000000" pitchFamily="18" charset="-128"/>
-            </a:endParaRPr>
-          </a:p>
-          <a:p>
-            <a:pPr>
-              <a:buFont typeface="Wingdings" panose="05000000000000000000" pitchFamily="2" charset="2"/>
-              <a:buChar char="u"/>
-            </a:pPr>
-            <a:endParaRPr lang="en-US" altLang="ja-JP" sz="3600" dirty="0">
-              <a:ln w="15875">
-                <a:solidFill>
-                  <a:schemeClr val="bg1">
-                    <a:lumMod val="75000"/>
-                    <a:lumOff val="25000"/>
-                  </a:schemeClr>
-                </a:solidFill>
-              </a:ln>
-              <a:latin typeface="HGP創英ﾌﾟﾚｾﾞﾝｽEB" panose="02020800000000000000" pitchFamily="18" charset="-128"/>
-              <a:ea typeface="HGP創英ﾌﾟﾚｾﾞﾝｽEB" panose="02020800000000000000" pitchFamily="18" charset="-128"/>
-            </a:endParaRPr>
-          </a:p>
-          <a:p>
-            <a:pPr>
-              <a:buFont typeface="Wingdings" panose="05000000000000000000" pitchFamily="2" charset="2"/>
-              <a:buChar char="u"/>
-            </a:pPr>
-            <a:r>
-              <a:rPr kumimoji="1" lang="ja-JP" altLang="en-US" sz="3600" dirty="0">
-                <a:ln w="15875">
-                  <a:solidFill>
-                    <a:schemeClr val="bg1">
-                      <a:lumMod val="75000"/>
-                      <a:lumOff val="25000"/>
-                    </a:schemeClr>
-                  </a:solidFill>
-                </a:ln>
-                <a:latin typeface="HGP創英ﾌﾟﾚｾﾞﾝｽEB" panose="02020800000000000000" pitchFamily="18" charset="-128"/>
-                <a:ea typeface="HGP創英ﾌﾟﾚｾﾞﾝｽEB" panose="02020800000000000000" pitchFamily="18" charset="-128"/>
-              </a:rPr>
-              <a:t>魔法によるエフェクトを頑張る</a:t>
-            </a:r>
-          </a:p>
-        </p:txBody>
-      </p:sp>
-    </p:spTree>
-    <p:extLst>
-      <p:ext uri="{BB962C8B-B14F-4D97-AF65-F5344CB8AC3E}">
-        <p14:creationId xmlns:p14="http://schemas.microsoft.com/office/powerpoint/2010/main" val="3925889700"/>
-      </p:ext>
-    </p:extLst>
-  </p:cSld>
-  <p:clrMapOvr>
-    <a:masterClrMapping/>
-  </p:clrMapOvr>
-</p:sld>
-</file>
-
-<file path=ppt/slides/slide4.xml><?xml version="1.0" encoding="utf-8"?>
-<p:sld xmlns:a="http://schemas.openxmlformats.org/drawingml/2006/main" xmlns:r="http://schemas.openxmlformats.org/officeDocument/2006/relationships" xmlns:p="http://schemas.openxmlformats.org/presentationml/2006/main">
-  <p:cSld>
-    <p:bg>
-      <p:bgPr>
-        <a:solidFill>
-          <a:srgbClr val="8E0404"/>
-        </a:solidFill>
-        <a:effectLst/>
-      </p:bgPr>
-    </p:bg>
-    <p:spTree>
-      <p:nvGrpSpPr>
-        <p:cNvPr id="1" name=""/>
-        <p:cNvGrpSpPr/>
-        <p:nvPr/>
-      </p:nvGrpSpPr>
-      <p:grpSpPr>
-        <a:xfrm>
-          <a:off x="0" y="0"/>
-          <a:ext cx="0" cy="0"/>
-          <a:chOff x="0" y="0"/>
-          <a:chExt cx="0" cy="0"/>
-        </a:xfrm>
-      </p:grpSpPr>
-      <p:pic>
-        <p:nvPicPr>
-          <p:cNvPr id="4" name="Picture 2" descr="紙が破れたようなイラスト | 無料イラスト素材｜素材ラボ">
-            <a:extLst>
-              <a:ext uri="{FF2B5EF4-FFF2-40B4-BE49-F238E27FC236}">
-                <a16:creationId xmlns:a16="http://schemas.microsoft.com/office/drawing/2014/main" id="{B8E57E83-65AB-C7FB-A9B4-E94D18A01E84}"/>
-              </a:ext>
-            </a:extLst>
-          </p:cNvPr>
-          <p:cNvPicPr>
-            <a:picLocks noGrp="1" noRot="1" noChangeAspect="1" noMove="1" noResize="1" noEditPoints="1" noAdjustHandles="1" noChangeArrowheads="1" noChangeShapeType="1" noCrop="1"/>
-          </p:cNvPicPr>
-          <p:nvPr/>
-        </p:nvPicPr>
-        <p:blipFill>
-          <a:blip r:embed="rId2">
-            <a:extLst>
-              <a:ext uri="{28A0092B-C50C-407E-A947-70E740481C1C}">
-                <a14:useLocalDpi xmlns:a14="http://schemas.microsoft.com/office/drawing/2010/main" val="0"/>
-              </a:ext>
-            </a:extLst>
-          </a:blip>
-          <a:srcRect/>
-          <a:stretch>
-            <a:fillRect/>
-          </a:stretch>
-        </p:blipFill>
-        <p:spPr bwMode="auto">
-          <a:xfrm>
-            <a:off x="0" y="0"/>
-            <a:ext cx="12192000" cy="6858000"/>
-          </a:xfrm>
-          <a:prstGeom prst="rect">
-            <a:avLst/>
-          </a:prstGeom>
-          <a:noFill/>
-          <a:extLst>
-            <a:ext uri="{909E8E84-426E-40DD-AFC4-6F175D3DCCD1}">
-              <a14:hiddenFill xmlns:a14="http://schemas.microsoft.com/office/drawing/2010/main">
-                <a:solidFill>
-                  <a:srgbClr val="FFFFFF"/>
-                </a:solidFill>
-              </a14:hiddenFill>
-            </a:ext>
-          </a:extLst>
-        </p:spPr>
-      </p:pic>
-      <p:sp>
-        <p:nvSpPr>
-          <p:cNvPr id="2" name="タイトル 1">
-            <a:extLst>
-              <a:ext uri="{FF2B5EF4-FFF2-40B4-BE49-F238E27FC236}">
-                <a16:creationId xmlns:a16="http://schemas.microsoft.com/office/drawing/2014/main" id="{83B475F7-1211-652E-C7AE-26A55C2F7527}"/>
-              </a:ext>
-            </a:extLst>
-          </p:cNvPr>
-          <p:cNvSpPr>
-            <a:spLocks noGrp="1"/>
-          </p:cNvSpPr>
-          <p:nvPr>
-            <p:ph type="title"/>
-          </p:nvPr>
-        </p:nvSpPr>
-        <p:spPr/>
-        <p:txBody>
-          <a:bodyPr>
-            <a:normAutofit/>
-          </a:bodyPr>
-          <a:lstStyle/>
-          <a:p>
-            <a:r>
-              <a:rPr kumimoji="1" lang="ja-JP" altLang="en-US" sz="5400" b="1" dirty="0">
-                <a:ln w="28575">
-                  <a:solidFill>
-                    <a:srgbClr val="AAB20A"/>
-                  </a:solidFill>
-                </a:ln>
-                <a:solidFill>
-                  <a:schemeClr val="accent2">
-                    <a:lumMod val="50000"/>
-                  </a:schemeClr>
-                </a:solidFill>
-                <a:latin typeface="HGP創英ﾌﾟﾚｾﾞﾝｽEB" panose="02020800000000000000" pitchFamily="18" charset="-128"/>
-                <a:ea typeface="HGP創英ﾌﾟﾚｾﾞﾝｽEB" panose="02020800000000000000" pitchFamily="18" charset="-128"/>
-              </a:rPr>
-              <a:t>アピールポイント</a:t>
-            </a:r>
-          </a:p>
-        </p:txBody>
-      </p:sp>
-      <p:pic>
-        <p:nvPicPr>
-          <p:cNvPr id="6152" name="Picture 8" descr="舞台は廃墟化したロンドン…！オープンワールドサバイバルホラー『Beyond  Hanwell』プレイレポ―早期アクセスながら圧倒的なクオリティで、極上のホラー作品に仕上がっている | Game*Spark -  国内・海外ゲーム情報サイト">
-            <a:extLst>
-              <a:ext uri="{FF2B5EF4-FFF2-40B4-BE49-F238E27FC236}">
-                <a16:creationId xmlns:a16="http://schemas.microsoft.com/office/drawing/2014/main" id="{483BC64E-18B0-A02B-215B-1D9F024BFE1E}"/>
-              </a:ext>
-            </a:extLst>
-          </p:cNvPr>
-          <p:cNvPicPr>
-            <a:picLocks noChangeAspect="1" noChangeArrowheads="1"/>
-          </p:cNvPicPr>
-          <p:nvPr/>
-        </p:nvPicPr>
-        <p:blipFill>
-          <a:blip r:embed="rId3">
-            <a:extLst>
-              <a:ext uri="{28A0092B-C50C-407E-A947-70E740481C1C}">
-                <a14:useLocalDpi xmlns:a14="http://schemas.microsoft.com/office/drawing/2010/main" val="0"/>
-              </a:ext>
-            </a:extLst>
-          </a:blip>
-          <a:srcRect/>
-          <a:stretch>
-            <a:fillRect/>
-          </a:stretch>
-        </p:blipFill>
-        <p:spPr bwMode="auto">
-          <a:xfrm rot="482495">
-            <a:off x="7571017" y="1931235"/>
-            <a:ext cx="4467582" cy="2507180"/>
-          </a:xfrm>
-          <a:prstGeom prst="rect">
-            <a:avLst/>
-          </a:prstGeom>
-          <a:noFill/>
-          <a:effectLst>
-            <a:glow rad="127000">
-              <a:srgbClr val="AAB20A"/>
-            </a:glow>
-          </a:effectLst>
-          <a:extLst>
-            <a:ext uri="{909E8E84-426E-40DD-AFC4-6F175D3DCCD1}">
-              <a14:hiddenFill xmlns:a14="http://schemas.microsoft.com/office/drawing/2010/main">
-                <a:solidFill>
-                  <a:srgbClr val="FFFFFF"/>
-                </a:solidFill>
-              </a14:hiddenFill>
-            </a:ext>
-          </a:extLst>
-        </p:spPr>
-      </p:pic>
-      <p:pic>
-        <p:nvPicPr>
-          <p:cNvPr id="7" name="Picture 6" descr="SF史に残る（べき）ゲーム】第2回：「NieR:Automata」――人工知能の実存主義">
-            <a:extLst>
-              <a:ext uri="{FF2B5EF4-FFF2-40B4-BE49-F238E27FC236}">
-                <a16:creationId xmlns:a16="http://schemas.microsoft.com/office/drawing/2014/main" id="{56C97784-C216-7B2E-1DF9-17718F2DCB8E}"/>
-              </a:ext>
-            </a:extLst>
-          </p:cNvPr>
-          <p:cNvPicPr>
-            <a:picLocks noChangeAspect="1" noChangeArrowheads="1"/>
-          </p:cNvPicPr>
-          <p:nvPr/>
-        </p:nvPicPr>
-        <p:blipFill>
-          <a:blip r:embed="rId4">
-            <a:extLst>
-              <a:ext uri="{28A0092B-C50C-407E-A947-70E740481C1C}">
-                <a14:useLocalDpi xmlns:a14="http://schemas.microsoft.com/office/drawing/2010/main" val="0"/>
-              </a:ext>
-            </a:extLst>
-          </a:blip>
-          <a:srcRect/>
-          <a:stretch>
-            <a:fillRect/>
-          </a:stretch>
-        </p:blipFill>
-        <p:spPr bwMode="auto">
-          <a:xfrm rot="21361228">
-            <a:off x="989479" y="4294180"/>
-            <a:ext cx="4132791" cy="2324695"/>
-          </a:xfrm>
-          <a:prstGeom prst="rect">
-            <a:avLst/>
-          </a:prstGeom>
-          <a:noFill/>
-          <a:effectLst>
-            <a:glow rad="127000">
-              <a:srgbClr val="AAB20A"/>
-            </a:glow>
-          </a:effectLst>
-          <a:extLst>
-            <a:ext uri="{909E8E84-426E-40DD-AFC4-6F175D3DCCD1}">
-              <a14:hiddenFill xmlns:a14="http://schemas.microsoft.com/office/drawing/2010/main">
-                <a:solidFill>
-                  <a:srgbClr val="FFFFFF"/>
-                </a:solidFill>
-              </a14:hiddenFill>
-            </a:ext>
-          </a:extLst>
-        </p:spPr>
-      </p:pic>
-      <p:sp>
-        <p:nvSpPr>
-          <p:cNvPr id="3" name="コンテンツ プレースホルダー 2">
-            <a:extLst>
-              <a:ext uri="{FF2B5EF4-FFF2-40B4-BE49-F238E27FC236}">
-                <a16:creationId xmlns:a16="http://schemas.microsoft.com/office/drawing/2014/main" id="{2C09F4B0-300E-7CD2-4E88-8EF82BF75B0B}"/>
-              </a:ext>
-            </a:extLst>
-          </p:cNvPr>
-          <p:cNvSpPr>
-            <a:spLocks noGrp="1"/>
-          </p:cNvSpPr>
-          <p:nvPr>
-            <p:ph idx="1"/>
-          </p:nvPr>
-        </p:nvSpPr>
-        <p:spPr>
-          <a:xfrm>
-            <a:off x="913795" y="2189650"/>
-            <a:ext cx="10353762" cy="3396343"/>
-          </a:xfrm>
-        </p:spPr>
-        <p:txBody>
-          <a:bodyPr>
-            <a:normAutofit/>
-          </a:bodyPr>
-          <a:lstStyle/>
-          <a:p>
-            <a:pPr>
-              <a:buFont typeface="Wingdings" panose="05000000000000000000" pitchFamily="2" charset="2"/>
-              <a:buChar char="u"/>
-            </a:pPr>
-            <a:r>
-              <a:rPr lang="ja-JP" altLang="en-US" sz="3600" dirty="0">
-                <a:ln w="15875">
-                  <a:solidFill>
-                    <a:schemeClr val="bg1">
-                      <a:lumMod val="75000"/>
-                      <a:lumOff val="25000"/>
-                    </a:schemeClr>
-                  </a:solidFill>
-                </a:ln>
-                <a:latin typeface="HGP創英ﾌﾟﾚｾﾞﾝｽEB" panose="02020800000000000000" pitchFamily="18" charset="-128"/>
-                <a:ea typeface="HGP創英ﾌﾟﾚｾﾞﾝｽEB" panose="02020800000000000000" pitchFamily="18" charset="-128"/>
-              </a:rPr>
-              <a:t>不気味さ、怖さ</a:t>
-            </a:r>
-            <a:endParaRPr lang="en-US" altLang="ja-JP" sz="3600" dirty="0">
-              <a:ln w="15875">
-                <a:solidFill>
-                  <a:schemeClr val="bg1">
-                    <a:lumMod val="75000"/>
-                    <a:lumOff val="25000"/>
-                  </a:schemeClr>
-                </a:solidFill>
-              </a:ln>
-              <a:latin typeface="HGP創英ﾌﾟﾚｾﾞﾝｽEB" panose="02020800000000000000" pitchFamily="18" charset="-128"/>
-              <a:ea typeface="HGP創英ﾌﾟﾚｾﾞﾝｽEB" panose="02020800000000000000" pitchFamily="18" charset="-128"/>
-            </a:endParaRPr>
-          </a:p>
-          <a:p>
-            <a:pPr>
-              <a:buFont typeface="Wingdings" panose="05000000000000000000" pitchFamily="2" charset="2"/>
-              <a:buChar char="u"/>
-            </a:pPr>
-            <a:endParaRPr lang="en-US" altLang="ja-JP" sz="3600" dirty="0">
-              <a:ln w="15875">
-                <a:solidFill>
-                  <a:schemeClr val="bg1">
-                    <a:lumMod val="75000"/>
-                    <a:lumOff val="25000"/>
-                    <a:alpha val="10000"/>
-                  </a:schemeClr>
-                </a:solidFill>
-              </a:ln>
-              <a:latin typeface="HGP創英ﾌﾟﾚｾﾞﾝｽEB" panose="02020800000000000000" pitchFamily="18" charset="-128"/>
-              <a:ea typeface="HGP創英ﾌﾟﾚｾﾞﾝｽEB" panose="02020800000000000000" pitchFamily="18" charset="-128"/>
-            </a:endParaRPr>
-          </a:p>
-          <a:p>
-            <a:pPr>
-              <a:buFont typeface="Wingdings" panose="05000000000000000000" pitchFamily="2" charset="2"/>
-              <a:buChar char="u"/>
-            </a:pPr>
-            <a:r>
-              <a:rPr lang="ja-JP" altLang="en-US" sz="3600" dirty="0">
-                <a:ln w="15875">
-                  <a:solidFill>
-                    <a:schemeClr val="bg1">
-                      <a:lumMod val="75000"/>
-                      <a:lumOff val="25000"/>
-                    </a:schemeClr>
-                  </a:solidFill>
-                </a:ln>
-                <a:latin typeface="HGP創英ﾌﾟﾚｾﾞﾝｽEB" panose="02020800000000000000" pitchFamily="18" charset="-128"/>
-                <a:ea typeface="HGP創英ﾌﾟﾚｾﾞﾝｽEB" panose="02020800000000000000" pitchFamily="18" charset="-128"/>
-              </a:rPr>
-              <a:t>モーションやエフェクトのカッコよさ</a:t>
-            </a:r>
-            <a:endParaRPr lang="en-US" altLang="ja-JP" sz="3600" dirty="0">
-              <a:ln w="15875">
-                <a:solidFill>
-                  <a:schemeClr val="bg1">
-                    <a:lumMod val="75000"/>
-                    <a:lumOff val="25000"/>
-                  </a:schemeClr>
-                </a:solidFill>
-              </a:ln>
-              <a:latin typeface="HGP創英ﾌﾟﾚｾﾞﾝｽEB" panose="02020800000000000000" pitchFamily="18" charset="-128"/>
-              <a:ea typeface="HGP創英ﾌﾟﾚｾﾞﾝｽEB" panose="02020800000000000000" pitchFamily="18" charset="-128"/>
-            </a:endParaRPr>
-          </a:p>
-          <a:p>
-            <a:pPr>
-              <a:buFont typeface="Wingdings" panose="05000000000000000000" pitchFamily="2" charset="2"/>
-              <a:buChar char="u"/>
-            </a:pPr>
-            <a:endParaRPr lang="en-US" altLang="ja-JP" sz="3600" dirty="0">
-              <a:ln w="15875">
-                <a:solidFill>
-                  <a:schemeClr val="bg1">
-                    <a:lumMod val="75000"/>
-                    <a:lumOff val="25000"/>
-                    <a:alpha val="10000"/>
-                  </a:schemeClr>
-                </a:solidFill>
-              </a:ln>
-              <a:latin typeface="HGP創英ﾌﾟﾚｾﾞﾝｽEB" panose="02020800000000000000" pitchFamily="18" charset="-128"/>
-              <a:ea typeface="HGP創英ﾌﾟﾚｾﾞﾝｽEB" panose="02020800000000000000" pitchFamily="18" charset="-128"/>
-            </a:endParaRPr>
-          </a:p>
-          <a:p>
-            <a:pPr>
-              <a:buFont typeface="Wingdings" panose="05000000000000000000" pitchFamily="2" charset="2"/>
-              <a:buChar char="u"/>
-            </a:pPr>
-            <a:endParaRPr lang="en-US" altLang="ja-JP" sz="3600" dirty="0">
-              <a:latin typeface="HGP創英ﾌﾟﾚｾﾞﾝｽEB" panose="02020800000000000000" pitchFamily="18" charset="-128"/>
-              <a:ea typeface="HGP創英ﾌﾟﾚｾﾞﾝｽEB" panose="02020800000000000000" pitchFamily="18" charset="-128"/>
-            </a:endParaRPr>
-          </a:p>
-        </p:txBody>
-      </p:sp>
-    </p:spTree>
-    <p:extLst>
-      <p:ext uri="{BB962C8B-B14F-4D97-AF65-F5344CB8AC3E}">
-        <p14:creationId xmlns:p14="http://schemas.microsoft.com/office/powerpoint/2010/main" val="2778663614"/>
       </p:ext>
     </p:extLst>
   </p:cSld>

--- a/3D_Game/企画書.pptx
+++ b/3D_Game/企画書.pptx
@@ -297,7 +297,7 @@
           <a:p>
             <a:fld id="{E52BD0EE-427E-4185-BFCC-C108616D70F6}" type="datetimeFigureOut">
               <a:rPr kumimoji="1" lang="ja-JP" altLang="en-US" smtClean="0"/>
-              <a:t>2025/1/14</a:t>
+              <a:t>2025/1/16</a:t>
             </a:fld>
             <a:endParaRPr kumimoji="1" lang="ja-JP" altLang="en-US"/>
           </a:p>
@@ -595,7 +595,7 @@
           <a:p>
             <a:fld id="{E52BD0EE-427E-4185-BFCC-C108616D70F6}" type="datetimeFigureOut">
               <a:rPr kumimoji="1" lang="ja-JP" altLang="en-US" smtClean="0"/>
-              <a:t>2025/1/14</a:t>
+              <a:t>2025/1/16</a:t>
             </a:fld>
             <a:endParaRPr kumimoji="1" lang="ja-JP" altLang="en-US"/>
           </a:p>
@@ -787,7 +787,7 @@
           <a:p>
             <a:fld id="{E52BD0EE-427E-4185-BFCC-C108616D70F6}" type="datetimeFigureOut">
               <a:rPr kumimoji="1" lang="ja-JP" altLang="en-US" smtClean="0"/>
-              <a:t>2025/1/14</a:t>
+              <a:t>2025/1/16</a:t>
             </a:fld>
             <a:endParaRPr kumimoji="1" lang="ja-JP" altLang="en-US"/>
           </a:p>
@@ -1048,7 +1048,7 @@
           <a:p>
             <a:fld id="{E52BD0EE-427E-4185-BFCC-C108616D70F6}" type="datetimeFigureOut">
               <a:rPr kumimoji="1" lang="ja-JP" altLang="en-US" smtClean="0"/>
-              <a:t>2025/1/14</a:t>
+              <a:t>2025/1/16</a:t>
             </a:fld>
             <a:endParaRPr kumimoji="1" lang="ja-JP" altLang="en-US"/>
           </a:p>
@@ -1472,7 +1472,7 @@
           <a:p>
             <a:fld id="{E52BD0EE-427E-4185-BFCC-C108616D70F6}" type="datetimeFigureOut">
               <a:rPr kumimoji="1" lang="ja-JP" altLang="en-US" smtClean="0"/>
-              <a:t>2025/1/14</a:t>
+              <a:t>2025/1/16</a:t>
             </a:fld>
             <a:endParaRPr kumimoji="1" lang="ja-JP" altLang="en-US"/>
           </a:p>
@@ -2009,7 +2009,7 @@
           <a:p>
             <a:fld id="{E52BD0EE-427E-4185-BFCC-C108616D70F6}" type="datetimeFigureOut">
               <a:rPr kumimoji="1" lang="ja-JP" altLang="en-US" smtClean="0"/>
-              <a:t>2025/1/14</a:t>
+              <a:t>2025/1/16</a:t>
             </a:fld>
             <a:endParaRPr kumimoji="1" lang="ja-JP" altLang="en-US"/>
           </a:p>
@@ -2873,7 +2873,7 @@
           <a:p>
             <a:fld id="{E52BD0EE-427E-4185-BFCC-C108616D70F6}" type="datetimeFigureOut">
               <a:rPr kumimoji="1" lang="ja-JP" altLang="en-US" smtClean="0"/>
-              <a:t>2025/1/14</a:t>
+              <a:t>2025/1/16</a:t>
             </a:fld>
             <a:endParaRPr kumimoji="1" lang="ja-JP" altLang="en-US"/>
           </a:p>
@@ -3075,7 +3075,7 @@
           <a:p>
             <a:fld id="{E52BD0EE-427E-4185-BFCC-C108616D70F6}" type="datetimeFigureOut">
               <a:rPr kumimoji="1" lang="ja-JP" altLang="en-US" smtClean="0"/>
-              <a:t>2025/1/14</a:t>
+              <a:t>2025/1/16</a:t>
             </a:fld>
             <a:endParaRPr kumimoji="1" lang="ja-JP" altLang="en-US"/>
           </a:p>
@@ -3291,7 +3291,7 @@
           <a:p>
             <a:fld id="{E52BD0EE-427E-4185-BFCC-C108616D70F6}" type="datetimeFigureOut">
               <a:rPr kumimoji="1" lang="ja-JP" altLang="en-US" smtClean="0"/>
-              <a:t>2025/1/14</a:t>
+              <a:t>2025/1/16</a:t>
             </a:fld>
             <a:endParaRPr kumimoji="1" lang="ja-JP" altLang="en-US"/>
           </a:p>
@@ -3493,7 +3493,7 @@
           <a:p>
             <a:fld id="{E52BD0EE-427E-4185-BFCC-C108616D70F6}" type="datetimeFigureOut">
               <a:rPr kumimoji="1" lang="ja-JP" altLang="en-US" smtClean="0"/>
-              <a:t>2025/1/14</a:t>
+              <a:t>2025/1/16</a:t>
             </a:fld>
             <a:endParaRPr kumimoji="1" lang="ja-JP" altLang="en-US"/>
           </a:p>
@@ -3737,7 +3737,7 @@
           <a:p>
             <a:fld id="{E52BD0EE-427E-4185-BFCC-C108616D70F6}" type="datetimeFigureOut">
               <a:rPr kumimoji="1" lang="ja-JP" altLang="en-US" smtClean="0"/>
-              <a:t>2025/1/14</a:t>
+              <a:t>2025/1/16</a:t>
             </a:fld>
             <a:endParaRPr kumimoji="1" lang="ja-JP" altLang="en-US"/>
           </a:p>
@@ -4037,7 +4037,7 @@
           <a:p>
             <a:fld id="{E52BD0EE-427E-4185-BFCC-C108616D70F6}" type="datetimeFigureOut">
               <a:rPr kumimoji="1" lang="ja-JP" altLang="en-US" smtClean="0"/>
-              <a:t>2025/1/14</a:t>
+              <a:t>2025/1/16</a:t>
             </a:fld>
             <a:endParaRPr kumimoji="1" lang="ja-JP" altLang="en-US"/>
           </a:p>
@@ -4567,7 +4567,7 @@
           <a:p>
             <a:fld id="{E52BD0EE-427E-4185-BFCC-C108616D70F6}" type="datetimeFigureOut">
               <a:rPr kumimoji="1" lang="ja-JP" altLang="en-US" smtClean="0"/>
-              <a:t>2025/1/14</a:t>
+              <a:t>2025/1/16</a:t>
             </a:fld>
             <a:endParaRPr kumimoji="1" lang="ja-JP" altLang="en-US"/>
           </a:p>
@@ -4685,7 +4685,7 @@
           <a:p>
             <a:fld id="{E52BD0EE-427E-4185-BFCC-C108616D70F6}" type="datetimeFigureOut">
               <a:rPr kumimoji="1" lang="ja-JP" altLang="en-US" smtClean="0"/>
-              <a:t>2025/1/14</a:t>
+              <a:t>2025/1/16</a:t>
             </a:fld>
             <a:endParaRPr kumimoji="1" lang="ja-JP" altLang="en-US"/>
           </a:p>
@@ -4780,7 +4780,7 @@
           <a:p>
             <a:fld id="{E52BD0EE-427E-4185-BFCC-C108616D70F6}" type="datetimeFigureOut">
               <a:rPr kumimoji="1" lang="ja-JP" altLang="en-US" smtClean="0"/>
-              <a:t>2025/1/14</a:t>
+              <a:t>2025/1/16</a:t>
             </a:fld>
             <a:endParaRPr kumimoji="1" lang="ja-JP" altLang="en-US"/>
           </a:p>
@@ -5067,7 +5067,7 @@
           <a:p>
             <a:fld id="{E52BD0EE-427E-4185-BFCC-C108616D70F6}" type="datetimeFigureOut">
               <a:rPr kumimoji="1" lang="ja-JP" altLang="en-US" smtClean="0"/>
-              <a:t>2025/1/14</a:t>
+              <a:t>2025/1/16</a:t>
             </a:fld>
             <a:endParaRPr kumimoji="1" lang="ja-JP" altLang="en-US"/>
           </a:p>
@@ -5367,7 +5367,7 @@
           <a:p>
             <a:fld id="{E52BD0EE-427E-4185-BFCC-C108616D70F6}" type="datetimeFigureOut">
               <a:rPr kumimoji="1" lang="ja-JP" altLang="en-US" smtClean="0"/>
-              <a:t>2025/1/14</a:t>
+              <a:t>2025/1/16</a:t>
             </a:fld>
             <a:endParaRPr kumimoji="1" lang="ja-JP" altLang="en-US"/>
           </a:p>
@@ -5633,7 +5633,7 @@
           <a:p>
             <a:fld id="{E52BD0EE-427E-4185-BFCC-C108616D70F6}" type="datetimeFigureOut">
               <a:rPr kumimoji="1" lang="ja-JP" altLang="en-US" smtClean="0"/>
-              <a:t>2025/1/14</a:t>
+              <a:t>2025/1/16</a:t>
             </a:fld>
             <a:endParaRPr kumimoji="1" lang="ja-JP" altLang="en-US"/>
           </a:p>
@@ -6364,92 +6364,6 @@
       </p:pic>
       <p:sp>
         <p:nvSpPr>
-          <p:cNvPr id="2" name="タイトル 1">
-            <a:extLst>
-              <a:ext uri="{FF2B5EF4-FFF2-40B4-BE49-F238E27FC236}">
-                <a16:creationId xmlns:a16="http://schemas.microsoft.com/office/drawing/2014/main" id="{4961F501-9C6E-5D00-2789-8B000C002446}"/>
-              </a:ext>
-            </a:extLst>
-          </p:cNvPr>
-          <p:cNvSpPr>
-            <a:spLocks noGrp="1"/>
-          </p:cNvSpPr>
-          <p:nvPr>
-            <p:ph type="ctrTitle"/>
-          </p:nvPr>
-        </p:nvSpPr>
-        <p:spPr>
-          <a:xfrm>
-            <a:off x="0" y="0"/>
-            <a:ext cx="5869172" cy="1023418"/>
-          </a:xfrm>
-        </p:spPr>
-        <p:txBody>
-          <a:bodyPr>
-            <a:noAutofit/>
-          </a:bodyPr>
-          <a:lstStyle/>
-          <a:p>
-            <a:r>
-              <a:rPr kumimoji="1" lang="en-US" altLang="ja-JP" sz="4400" b="1" dirty="0">
-                <a:ln w="25400">
-                  <a:solidFill>
-                    <a:srgbClr val="FFFF00">
-                      <a:alpha val="80000"/>
-                    </a:srgbClr>
-                  </a:solidFill>
-                </a:ln>
-                <a:solidFill>
-                  <a:schemeClr val="accent2">
-                    <a:lumMod val="50000"/>
-                    <a:alpha val="69000"/>
-                  </a:schemeClr>
-                </a:solidFill>
-                <a:effectLst>
-                  <a:glow rad="571500">
-                    <a:schemeClr val="accent6">
-                      <a:lumMod val="75000"/>
-                      <a:alpha val="70000"/>
-                    </a:schemeClr>
-                  </a:glow>
-                  <a:reflection blurRad="76200" stA="44000" endPos="65000" dist="63500" dir="5400000" sy="-100000" algn="bl" rotWithShape="0"/>
-                </a:effectLst>
-                <a:latin typeface="Viner Hand ITC" panose="03070502030502020203" pitchFamily="66" charset="0"/>
-                <a:ea typeface="BIZ UDPゴシック" panose="020B0400000000000000" pitchFamily="50" charset="-128"/>
-              </a:rPr>
-              <a:t>DEVASTATED CITY</a:t>
-            </a:r>
-            <a:endParaRPr kumimoji="1" lang="ja-JP" altLang="en-US" sz="4400" dirty="0">
-              <a:ln w="25400">
-                <a:solidFill>
-                  <a:srgbClr val="FFFF00">
-                    <a:alpha val="80000"/>
-                  </a:srgbClr>
-                </a:solidFill>
-              </a:ln>
-              <a:solidFill>
-                <a:schemeClr val="accent2">
-                  <a:lumMod val="50000"/>
-                  <a:alpha val="69000"/>
-                </a:schemeClr>
-              </a:solidFill>
-              <a:effectLst>
-                <a:glow rad="571500">
-                  <a:schemeClr val="accent6">
-                    <a:lumMod val="75000"/>
-                    <a:alpha val="70000"/>
-                  </a:schemeClr>
-                </a:glow>
-                <a:reflection blurRad="76200" stA="44000" endPos="65000" dist="63500" dir="5400000" sy="-100000" algn="bl" rotWithShape="0"/>
-              </a:effectLst>
-              <a:latin typeface="Viner Hand ITC" panose="03070502030502020203" pitchFamily="66" charset="0"/>
-              <a:ea typeface="BIZ UDPゴシック" panose="020B0400000000000000" pitchFamily="50" charset="-128"/>
-            </a:endParaRPr>
-          </a:p>
-        </p:txBody>
-      </p:sp>
-      <p:sp>
-        <p:nvSpPr>
           <p:cNvPr id="7" name="テキスト ボックス 6">
             <a:extLst>
               <a:ext uri="{FF2B5EF4-FFF2-40B4-BE49-F238E27FC236}">
@@ -6462,7 +6376,7 @@
         </p:nvSpPr>
         <p:spPr>
           <a:xfrm>
-            <a:off x="275148" y="875610"/>
+            <a:off x="85743" y="1082365"/>
             <a:ext cx="4514566" cy="584775"/>
           </a:xfrm>
           <a:prstGeom prst="rect">
@@ -6644,8 +6558,8 @@
           </a:stretch>
         </p:blipFill>
         <p:spPr bwMode="auto">
-          <a:xfrm rot="865009">
-            <a:off x="9044368" y="353211"/>
+          <a:xfrm rot="711041">
+            <a:off x="8794385" y="357955"/>
             <a:ext cx="3054660" cy="1718246"/>
           </a:xfrm>
           <a:prstGeom prst="rect">
@@ -6696,9 +6610,9 @@
           </a:stretch>
         </p:blipFill>
         <p:spPr bwMode="auto">
-          <a:xfrm rot="809398">
-            <a:off x="8526802" y="4646374"/>
-            <a:ext cx="3093979" cy="1736322"/>
+          <a:xfrm rot="382829">
+            <a:off x="8503796" y="4710930"/>
+            <a:ext cx="3587447" cy="2013253"/>
           </a:xfrm>
           <a:prstGeom prst="rect">
             <a:avLst/>
@@ -6733,9 +6647,9 @@
           <p:nvPr/>
         </p:nvSpPr>
         <p:spPr>
-          <a:xfrm rot="21055200">
-            <a:off x="3901702" y="4432384"/>
-            <a:ext cx="5087257" cy="954107"/>
+          <a:xfrm rot="20809205">
+            <a:off x="5707293" y="2872044"/>
+            <a:ext cx="6096284" cy="1200329"/>
           </a:xfrm>
           <a:prstGeom prst="rect">
             <a:avLst/>
@@ -6750,7 +6664,7 @@
           <a:p>
             <a:pPr algn="ctr"/>
             <a:r>
-              <a:rPr kumimoji="1" lang="ja-JP" altLang="en-US" sz="2800" b="1" dirty="0">
+              <a:rPr kumimoji="1" lang="ja-JP" altLang="en-US" sz="3600" b="1" dirty="0">
                 <a:ln w="12700">
                   <a:solidFill>
                     <a:srgbClr val="00FF00"/>
@@ -6760,7 +6674,7 @@
                   <a:schemeClr val="bg1"/>
                 </a:solidFill>
                 <a:effectLst>
-                  <a:glow rad="139700">
+                  <a:glow rad="203200">
                     <a:srgbClr val="FFFF00"/>
                   </a:glow>
                 </a:effectLst>
@@ -6801,13 +6715,18 @@
         </p:blipFill>
         <p:spPr bwMode="auto">
           <a:xfrm>
-            <a:off x="5439431" y="5475876"/>
-            <a:ext cx="1005899" cy="1005899"/>
+            <a:off x="6647589" y="4672332"/>
+            <a:ext cx="1141652" cy="1141652"/>
           </a:xfrm>
           <a:prstGeom prst="rect">
             <a:avLst/>
           </a:prstGeom>
           <a:noFill/>
+          <a:effectLst>
+            <a:glow rad="127000">
+              <a:srgbClr val="FFFF00"/>
+            </a:glow>
+          </a:effectLst>
           <a:extLst>
             <a:ext uri="{909E8E84-426E-40DD-AFC4-6F175D3DCCD1}">
               <a14:hiddenFill xmlns:a14="http://schemas.microsoft.com/office/drawing/2010/main">
@@ -6848,13 +6767,18 @@
         </p:blipFill>
         <p:spPr bwMode="auto">
           <a:xfrm>
-            <a:off x="3685063" y="5270491"/>
-            <a:ext cx="1197547" cy="1197547"/>
+            <a:off x="5155801" y="4468385"/>
+            <a:ext cx="1336400" cy="1336400"/>
           </a:xfrm>
           <a:prstGeom prst="rect">
             <a:avLst/>
           </a:prstGeom>
           <a:noFill/>
+          <a:effectLst>
+            <a:glow rad="127000">
+              <a:srgbClr val="FFFF00"/>
+            </a:glow>
+          </a:effectLst>
           <a:extLst>
             <a:ext uri="{909E8E84-426E-40DD-AFC4-6F175D3DCCD1}">
               <a14:hiddenFill xmlns:a14="http://schemas.microsoft.com/office/drawing/2010/main">
@@ -6895,13 +6819,18 @@
         </p:blipFill>
         <p:spPr bwMode="auto">
           <a:xfrm>
-            <a:off x="7002151" y="5135691"/>
-            <a:ext cx="1256545" cy="1203142"/>
+            <a:off x="8031693" y="4215607"/>
+            <a:ext cx="1370041" cy="1311814"/>
           </a:xfrm>
           <a:prstGeom prst="rect">
             <a:avLst/>
           </a:prstGeom>
           <a:noFill/>
+          <a:effectLst>
+            <a:glow rad="127000">
+              <a:srgbClr val="FFFF00"/>
+            </a:glow>
+          </a:effectLst>
           <a:extLst>
             <a:ext uri="{909E8E84-426E-40DD-AFC4-6F175D3DCCD1}">
               <a14:hiddenFill xmlns:a14="http://schemas.microsoft.com/office/drawing/2010/main">
@@ -6939,14 +6868,19 @@
           <a:stretch/>
         </p:blipFill>
         <p:spPr bwMode="auto">
-          <a:xfrm rot="1816116">
-            <a:off x="2558226" y="3698705"/>
-            <a:ext cx="787745" cy="1047750"/>
+          <a:xfrm rot="1137134">
+            <a:off x="3767720" y="3984633"/>
+            <a:ext cx="1096261" cy="1274446"/>
           </a:xfrm>
           <a:prstGeom prst="rect">
             <a:avLst/>
           </a:prstGeom>
           <a:noFill/>
+          <a:effectLst>
+            <a:glow rad="127000">
+              <a:srgbClr val="FF0000"/>
+            </a:glow>
+          </a:effectLst>
           <a:extLst>
             <a:ext uri="{909E8E84-426E-40DD-AFC4-6F175D3DCCD1}">
               <a14:hiddenFill xmlns:a14="http://schemas.microsoft.com/office/drawing/2010/main">
@@ -6971,9 +6905,9 @@
           <p:nvPr/>
         </p:nvSpPr>
         <p:spPr>
-          <a:xfrm rot="404675">
-            <a:off x="142404" y="3007502"/>
-            <a:ext cx="4903944" cy="584775"/>
+          <a:xfrm rot="570291">
+            <a:off x="331761" y="3163938"/>
+            <a:ext cx="6206163" cy="646331"/>
           </a:xfrm>
           <a:prstGeom prst="rect">
             <a:avLst/>
@@ -6987,7 +6921,7 @@
           <a:lstStyle/>
           <a:p>
             <a:r>
-              <a:rPr kumimoji="1" lang="ja-JP" altLang="en-US" sz="3200" dirty="0">
+              <a:rPr kumimoji="1" lang="ja-JP" altLang="en-US" sz="3600" dirty="0">
                 <a:ln w="12700">
                   <a:solidFill>
                     <a:srgbClr val="FF0000"/>
@@ -6997,7 +6931,7 @@
                   <a:srgbClr val="FFFF00"/>
                 </a:solidFill>
                 <a:effectLst>
-                  <a:glow rad="190500">
+                  <a:glow rad="203200">
                     <a:srgbClr val="FF0000"/>
                   </a:glow>
                 </a:effectLst>
@@ -7009,6 +6943,47 @@
           </a:p>
         </p:txBody>
       </p:sp>
+      <p:pic>
+        <p:nvPicPr>
+          <p:cNvPr id="13" name="図 12" descr="屋外, 建物, 家, ストリート が含まれている画像&#10;&#10;自動的に生成された説明">
+            <a:extLst>
+              <a:ext uri="{FF2B5EF4-FFF2-40B4-BE49-F238E27FC236}">
+                <a16:creationId xmlns:a16="http://schemas.microsoft.com/office/drawing/2014/main" id="{5AB311F5-1311-E87F-54BD-7D3C75D383B0}"/>
+              </a:ext>
+            </a:extLst>
+          </p:cNvPr>
+          <p:cNvPicPr>
+            <a:picLocks noChangeAspect="1"/>
+          </p:cNvPicPr>
+          <p:nvPr/>
+        </p:nvPicPr>
+        <p:blipFill>
+          <a:blip r:embed="rId9">
+            <a:extLst>
+              <a:ext uri="{28A0092B-C50C-407E-A947-70E740481C1C}">
+                <a14:useLocalDpi xmlns:a14="http://schemas.microsoft.com/office/drawing/2010/main" val="0"/>
+              </a:ext>
+            </a:extLst>
+          </a:blip>
+          <a:stretch>
+            <a:fillRect/>
+          </a:stretch>
+        </p:blipFill>
+        <p:spPr>
+          <a:xfrm rot="20950606">
+            <a:off x="5630397" y="143222"/>
+            <a:ext cx="3075155" cy="1730335"/>
+          </a:xfrm>
+          <a:prstGeom prst="rect">
+            <a:avLst/>
+          </a:prstGeom>
+          <a:effectLst>
+            <a:glow rad="127000">
+              <a:srgbClr val="AAB20A"/>
+            </a:glow>
+          </a:effectLst>
+        </p:spPr>
+      </p:pic>
       <p:pic>
         <p:nvPicPr>
           <p:cNvPr id="1032" name="Picture 8">
@@ -7024,7 +6999,7 @@
           <p:nvPr/>
         </p:nvPicPr>
         <p:blipFill>
-          <a:blip r:embed="rId9">
+          <a:blip r:embed="rId10">
             <a:extLst>
               <a:ext uri="{28A0092B-C50C-407E-A947-70E740481C1C}">
                 <a14:useLocalDpi xmlns:a14="http://schemas.microsoft.com/office/drawing/2010/main" val="0"/>
@@ -7038,13 +7013,18 @@
         </p:blipFill>
         <p:spPr bwMode="auto">
           <a:xfrm rot="1162262">
-            <a:off x="2167387" y="4487381"/>
-            <a:ext cx="1028700" cy="981075"/>
+            <a:off x="3567591" y="5190350"/>
+            <a:ext cx="1211991" cy="1228870"/>
           </a:xfrm>
           <a:prstGeom prst="rect">
             <a:avLst/>
           </a:prstGeom>
           <a:noFill/>
+          <a:effectLst>
+            <a:glow rad="127000">
+              <a:srgbClr val="FF0000"/>
+            </a:glow>
+          </a:effectLst>
           <a:extLst>
             <a:ext uri="{909E8E84-426E-40DD-AFC4-6F175D3DCCD1}">
               <a14:hiddenFill xmlns:a14="http://schemas.microsoft.com/office/drawing/2010/main">
@@ -7056,47 +7036,6 @@
           </a:extLst>
         </p:spPr>
       </p:pic>
-      <p:pic>
-        <p:nvPicPr>
-          <p:cNvPr id="13" name="図 12" descr="屋外, 建物, 家, ストリート が含まれている画像&#10;&#10;自動的に生成された説明">
-            <a:extLst>
-              <a:ext uri="{FF2B5EF4-FFF2-40B4-BE49-F238E27FC236}">
-                <a16:creationId xmlns:a16="http://schemas.microsoft.com/office/drawing/2014/main" id="{5AB311F5-1311-E87F-54BD-7D3C75D383B0}"/>
-              </a:ext>
-            </a:extLst>
-          </p:cNvPr>
-          <p:cNvPicPr>
-            <a:picLocks noChangeAspect="1"/>
-          </p:cNvPicPr>
-          <p:nvPr/>
-        </p:nvPicPr>
-        <p:blipFill>
-          <a:blip r:embed="rId10">
-            <a:extLst>
-              <a:ext uri="{28A0092B-C50C-407E-A947-70E740481C1C}">
-                <a14:useLocalDpi xmlns:a14="http://schemas.microsoft.com/office/drawing/2010/main" val="0"/>
-              </a:ext>
-            </a:extLst>
-          </a:blip>
-          <a:stretch>
-            <a:fillRect/>
-          </a:stretch>
-        </p:blipFill>
-        <p:spPr>
-          <a:xfrm rot="20615169">
-            <a:off x="6275873" y="229085"/>
-            <a:ext cx="2568414" cy="1445201"/>
-          </a:xfrm>
-          <a:prstGeom prst="rect">
-            <a:avLst/>
-          </a:prstGeom>
-          <a:effectLst>
-            <a:glow rad="127000">
-              <a:srgbClr val="AAB20A"/>
-            </a:glow>
-          </a:effectLst>
-        </p:spPr>
-      </p:pic>
       <p:sp>
         <p:nvSpPr>
           <p:cNvPr id="6" name="テキスト ボックス 5">
@@ -7111,8 +7050,8 @@
         </p:nvSpPr>
         <p:spPr>
           <a:xfrm>
-            <a:off x="3464584" y="1810537"/>
-            <a:ext cx="5318875" cy="646331"/>
+            <a:off x="2834289" y="1909226"/>
+            <a:ext cx="6209388" cy="769441"/>
           </a:xfrm>
           <a:prstGeom prst="rect">
             <a:avLst/>
@@ -7127,7 +7066,7 @@
           <a:p>
             <a:pPr algn="ctr"/>
             <a:r>
-              <a:rPr kumimoji="1" lang="ja-JP" altLang="en-US" sz="3600" b="1" dirty="0">
+              <a:rPr kumimoji="1" lang="ja-JP" altLang="en-US" sz="4400" b="1" dirty="0">
                 <a:ln w="15875">
                   <a:solidFill>
                     <a:srgbClr val="FFFF00"/>
@@ -7149,7 +7088,7 @@
               </a:rPr>
               <a:t>荒廃した街を一人で探索</a:t>
             </a:r>
-            <a:endParaRPr kumimoji="1" lang="en-US" altLang="ja-JP" sz="3600" b="1" dirty="0">
+            <a:endParaRPr kumimoji="1" lang="en-US" altLang="ja-JP" sz="4400" b="1" dirty="0">
               <a:ln w="15875">
                 <a:solidFill>
                   <a:srgbClr val="FFFF00"/>
@@ -7201,8 +7140,8 @@
         </p:blipFill>
         <p:spPr bwMode="auto">
           <a:xfrm rot="706351">
-            <a:off x="167526" y="3675492"/>
-            <a:ext cx="2259322" cy="1267918"/>
+            <a:off x="710383" y="3684104"/>
+            <a:ext cx="2951461" cy="1656342"/>
           </a:xfrm>
           <a:prstGeom prst="rect">
             <a:avLst/>
@@ -7222,6 +7161,256 @@
               </a14:hiddenFill>
             </a:ext>
           </a:extLst>
+        </p:spPr>
+      </p:pic>
+      <p:sp>
+        <p:nvSpPr>
+          <p:cNvPr id="3" name="テキスト ボックス 2">
+            <a:extLst>
+              <a:ext uri="{FF2B5EF4-FFF2-40B4-BE49-F238E27FC236}">
+                <a16:creationId xmlns:a16="http://schemas.microsoft.com/office/drawing/2014/main" id="{C3E31721-7DEE-A780-71B0-7D2073C2888D}"/>
+              </a:ext>
+            </a:extLst>
+          </p:cNvPr>
+          <p:cNvSpPr txBox="1"/>
+          <p:nvPr/>
+        </p:nvSpPr>
+        <p:spPr>
+          <a:xfrm rot="21102010">
+            <a:off x="252718" y="1780042"/>
+            <a:ext cx="2524599" cy="584775"/>
+          </a:xfrm>
+          <a:prstGeom prst="rect">
+            <a:avLst/>
+          </a:prstGeom>
+          <a:noFill/>
+        </p:spPr>
+        <p:txBody>
+          <a:bodyPr wrap="square" rtlCol="0">
+            <a:spAutoFit/>
+          </a:bodyPr>
+          <a:lstStyle/>
+          <a:p>
+            <a:r>
+              <a:rPr kumimoji="1" lang="ja-JP" altLang="en-US" sz="3200" b="1" dirty="0">
+                <a:ln w="12700">
+                  <a:solidFill>
+                    <a:schemeClr val="tx1"/>
+                  </a:solidFill>
+                </a:ln>
+                <a:solidFill>
+                  <a:srgbClr val="FF0000"/>
+                </a:solidFill>
+                <a:effectLst>
+                  <a:glow rad="139700">
+                    <a:srgbClr val="FF0000"/>
+                  </a:glow>
+                </a:effectLst>
+                <a:latin typeface="HGP創英角ｺﾞｼｯｸUB" panose="020B0900000000000000" pitchFamily="50" charset="-128"/>
+                <a:ea typeface="HGP創英角ｺﾞｼｯｸUB" panose="020B0900000000000000" pitchFamily="50" charset="-128"/>
+              </a:rPr>
+              <a:t>３Ｄアクション</a:t>
+            </a:r>
+          </a:p>
+        </p:txBody>
+      </p:sp>
+      <p:pic>
+        <p:nvPicPr>
+          <p:cNvPr id="14" name="図 13">
+            <a:extLst>
+              <a:ext uri="{FF2B5EF4-FFF2-40B4-BE49-F238E27FC236}">
+                <a16:creationId xmlns:a16="http://schemas.microsoft.com/office/drawing/2014/main" id="{F02A039B-8149-7DDD-7C1D-CB7F376AD0A4}"/>
+              </a:ext>
+            </a:extLst>
+          </p:cNvPr>
+          <p:cNvPicPr>
+            <a:picLocks noChangeAspect="1"/>
+          </p:cNvPicPr>
+          <p:nvPr/>
+        </p:nvPicPr>
+        <p:blipFill>
+          <a:blip r:embed="rId12"/>
+          <a:stretch>
+            <a:fillRect/>
+          </a:stretch>
+        </p:blipFill>
+        <p:spPr>
+          <a:xfrm rot="21368982">
+            <a:off x="10758276" y="2784053"/>
+            <a:ext cx="1640228" cy="1289896"/>
+          </a:xfrm>
+          <a:prstGeom prst="rect">
+            <a:avLst/>
+          </a:prstGeom>
+          <a:ln w="9525">
+            <a:noFill/>
+          </a:ln>
+          <a:effectLst>
+            <a:glow rad="127000">
+              <a:srgbClr val="FFFF00"/>
+            </a:glow>
+          </a:effectLst>
+        </p:spPr>
+      </p:pic>
+      <p:pic>
+        <p:nvPicPr>
+          <p:cNvPr id="16" name="図 15">
+            <a:extLst>
+              <a:ext uri="{FF2B5EF4-FFF2-40B4-BE49-F238E27FC236}">
+                <a16:creationId xmlns:a16="http://schemas.microsoft.com/office/drawing/2014/main" id="{E6A0A386-8103-4E6B-8BD4-3F4826EBDDBE}"/>
+              </a:ext>
+            </a:extLst>
+          </p:cNvPr>
+          <p:cNvPicPr>
+            <a:picLocks noChangeAspect="1"/>
+          </p:cNvPicPr>
+          <p:nvPr/>
+        </p:nvPicPr>
+        <p:blipFill>
+          <a:blip r:embed="rId13"/>
+          <a:stretch>
+            <a:fillRect/>
+          </a:stretch>
+        </p:blipFill>
+        <p:spPr>
+          <a:xfrm rot="21008569">
+            <a:off x="9685930" y="3749535"/>
+            <a:ext cx="1255770" cy="1255770"/>
+          </a:xfrm>
+          <a:prstGeom prst="rect">
+            <a:avLst/>
+          </a:prstGeom>
+          <a:effectLst>
+            <a:glow rad="127000">
+              <a:srgbClr val="FFFF00"/>
+            </a:glow>
+          </a:effectLst>
+        </p:spPr>
+      </p:pic>
+      <p:sp>
+        <p:nvSpPr>
+          <p:cNvPr id="2" name="タイトル 1">
+            <a:extLst>
+              <a:ext uri="{FF2B5EF4-FFF2-40B4-BE49-F238E27FC236}">
+                <a16:creationId xmlns:a16="http://schemas.microsoft.com/office/drawing/2014/main" id="{4961F501-9C6E-5D00-2789-8B000C002446}"/>
+              </a:ext>
+            </a:extLst>
+          </p:cNvPr>
+          <p:cNvSpPr>
+            <a:spLocks noGrp="1"/>
+          </p:cNvSpPr>
+          <p:nvPr>
+            <p:ph type="ctrTitle"/>
+          </p:nvPr>
+        </p:nvSpPr>
+        <p:spPr>
+          <a:xfrm>
+            <a:off x="0" y="-1944"/>
+            <a:ext cx="5869172" cy="1023418"/>
+          </a:xfrm>
+        </p:spPr>
+        <p:txBody>
+          <a:bodyPr>
+            <a:noAutofit/>
+          </a:bodyPr>
+          <a:lstStyle/>
+          <a:p>
+            <a:r>
+              <a:rPr kumimoji="1" lang="en-US" altLang="ja-JP" sz="4400" b="1" dirty="0">
+                <a:ln w="25400">
+                  <a:solidFill>
+                    <a:srgbClr val="FFFF00">
+                      <a:alpha val="80000"/>
+                    </a:srgbClr>
+                  </a:solidFill>
+                </a:ln>
+                <a:solidFill>
+                  <a:schemeClr val="accent2">
+                    <a:lumMod val="50000"/>
+                    <a:alpha val="69000"/>
+                  </a:schemeClr>
+                </a:solidFill>
+                <a:effectLst>
+                  <a:glow rad="571500">
+                    <a:schemeClr val="accent6">
+                      <a:lumMod val="75000"/>
+                      <a:alpha val="70000"/>
+                    </a:schemeClr>
+                  </a:glow>
+                  <a:reflection blurRad="76200" stA="44000" endPos="65000" dist="63500" dir="5400000" sy="-100000" algn="bl" rotWithShape="0"/>
+                </a:effectLst>
+                <a:latin typeface="Viner Hand ITC" panose="03070502030502020203" pitchFamily="66" charset="0"/>
+                <a:ea typeface="BIZ UDPゴシック" panose="020B0400000000000000" pitchFamily="50" charset="-128"/>
+              </a:rPr>
+              <a:t>DEVASTATED CITY</a:t>
+            </a:r>
+            <a:endParaRPr kumimoji="1" lang="ja-JP" altLang="en-US" sz="4400" dirty="0">
+              <a:ln w="25400">
+                <a:solidFill>
+                  <a:srgbClr val="FFFF00">
+                    <a:alpha val="80000"/>
+                  </a:srgbClr>
+                </a:solidFill>
+              </a:ln>
+              <a:solidFill>
+                <a:schemeClr val="accent2">
+                  <a:lumMod val="50000"/>
+                  <a:alpha val="69000"/>
+                </a:schemeClr>
+              </a:solidFill>
+              <a:effectLst>
+                <a:glow rad="571500">
+                  <a:schemeClr val="accent6">
+                    <a:lumMod val="75000"/>
+                    <a:alpha val="70000"/>
+                  </a:schemeClr>
+                </a:glow>
+                <a:reflection blurRad="76200" stA="44000" endPos="65000" dist="63500" dir="5400000" sy="-100000" algn="bl" rotWithShape="0"/>
+              </a:effectLst>
+              <a:latin typeface="Viner Hand ITC" panose="03070502030502020203" pitchFamily="66" charset="0"/>
+              <a:ea typeface="BIZ UDPゴシック" panose="020B0400000000000000" pitchFamily="50" charset="-128"/>
+            </a:endParaRPr>
+          </a:p>
+        </p:txBody>
+      </p:sp>
+      <p:pic>
+        <p:nvPicPr>
+          <p:cNvPr id="17" name="図 16">
+            <a:extLst>
+              <a:ext uri="{FF2B5EF4-FFF2-40B4-BE49-F238E27FC236}">
+                <a16:creationId xmlns:a16="http://schemas.microsoft.com/office/drawing/2014/main" id="{B53C15A4-57C5-062E-E795-F1D595E89F2B}"/>
+              </a:ext>
+            </a:extLst>
+          </p:cNvPr>
+          <p:cNvPicPr>
+            <a:picLocks noChangeAspect="1"/>
+          </p:cNvPicPr>
+          <p:nvPr/>
+        </p:nvPicPr>
+        <p:blipFill>
+          <a:blip r:embed="rId14"/>
+          <a:stretch>
+            <a:fillRect/>
+          </a:stretch>
+        </p:blipFill>
+        <p:spPr>
+          <a:xfrm flipH="1">
+            <a:off x="227256" y="4666532"/>
+            <a:ext cx="1476706" cy="2075459"/>
+          </a:xfrm>
+          <a:prstGeom prst="rect">
+            <a:avLst/>
+          </a:prstGeom>
+          <a:ln>
+            <a:noFill/>
+          </a:ln>
+          <a:effectLst>
+            <a:glow rad="152400">
+              <a:srgbClr val="7030A0">
+                <a:alpha val="85000"/>
+              </a:srgbClr>
+            </a:glow>
+          </a:effectLst>
         </p:spPr>
       </p:pic>
     </p:spTree>
